--- a/Documentation/CodeCrunchers.pptx
+++ b/Documentation/CodeCrunchers.pptx
@@ -4007,10 +4007,15 @@
             <p:ph type="title"/>
           </p:nvPr>
         </p:nvSpPr>
-        <p:spPr/>
+        <p:spPr>
+          <a:xfrm>
+            <a:off x="381000" y="228600"/>
+            <a:ext cx="7467600" cy="1143000"/>
+          </a:xfrm>
+        </p:spPr>
         <p:txBody>
           <a:bodyPr>
-            <a:normAutofit fontScale="90000"/>
+            <a:normAutofit/>
           </a:bodyPr>
           <a:lstStyle/>
           <a:p>
@@ -4032,12 +4037,293 @@
             <p:ph idx="1"/>
           </p:nvPr>
         </p:nvSpPr>
-        <p:spPr/>
+        <p:spPr>
+          <a:xfrm>
+            <a:off x="152400" y="1219200"/>
+            <a:ext cx="8534400" cy="4648200"/>
+          </a:xfrm>
+        </p:spPr>
         <p:txBody>
           <a:bodyPr/>
           <a:lstStyle/>
           <a:p>
-            <a:endParaRPr lang="en-US"/>
+            <a:r>
+              <a:rPr lang="en-US" dirty="0" smtClean="0"/>
+              <a:t>Created 3 food categories (due to training time limitation): hamburger, salad, and sub (submarine sandwich)</a:t>
+            </a:r>
+          </a:p>
+          <a:p>
+            <a:r>
+              <a:rPr lang="en-US" dirty="0" smtClean="0"/>
+              <a:t>Used </a:t>
+            </a:r>
+            <a:r>
+              <a:rPr lang="en-US" dirty="0" err="1" smtClean="0"/>
+              <a:t>TensorFlow</a:t>
+            </a:r>
+            <a:r>
+              <a:rPr lang="en-US" dirty="0" smtClean="0"/>
+              <a:t> google inception model. Trained last layer and got the bottleneck data.</a:t>
+            </a:r>
+          </a:p>
+          <a:p>
+            <a:r>
+              <a:rPr lang="en-US" dirty="0" smtClean="0"/>
+              <a:t>Left picture: </a:t>
+            </a:r>
+            <a:r>
+              <a:rPr lang="en-US" dirty="0" err="1" smtClean="0"/>
+              <a:t>Tensorflow</a:t>
+            </a:r>
+            <a:r>
+              <a:rPr lang="en-US" dirty="0" smtClean="0"/>
+              <a:t> testing result with accuracy 98%. Right: testing image.</a:t>
+            </a:r>
+          </a:p>
+          <a:p>
+            <a:r>
+              <a:rPr lang="en-US" dirty="0" smtClean="0"/>
+              <a:t>Dataset: </a:t>
+            </a:r>
+            <a:r>
+              <a:rPr lang="en-US" dirty="0"/>
+              <a:t>Pittsburgh Fast-Food Image </a:t>
+            </a:r>
+            <a:r>
+              <a:rPr lang="en-US" dirty="0" smtClean="0"/>
+              <a:t>Dataset.</a:t>
+            </a:r>
+            <a:endParaRPr lang="en-US" dirty="0" smtClean="0"/>
+          </a:p>
+          <a:p>
+            <a:pPr marL="36576" indent="0">
+              <a:buNone/>
+            </a:pPr>
+            <a:endParaRPr lang="en-US" dirty="0"/>
+          </a:p>
+        </p:txBody>
+      </p:sp>
+      <p:pic>
+        <p:nvPicPr>
+          <p:cNvPr id="1026" name="Picture 2"/>
+          <p:cNvPicPr>
+            <a:picLocks noChangeAspect="1" noChangeArrowheads="1"/>
+          </p:cNvPicPr>
+          <p:nvPr/>
+        </p:nvPicPr>
+        <p:blipFill rotWithShape="1">
+          <a:blip r:embed="rId2">
+            <a:extLst>
+              <a:ext uri="{28A0092B-C50C-407E-A947-70E740481C1C}">
+                <a14:useLocalDpi xmlns:a14="http://schemas.microsoft.com/office/drawing/2010/main" val="0"/>
+              </a:ext>
+            </a:extLst>
+          </a:blip>
+          <a:srcRect l="16611" t="56398"/>
+          <a:stretch/>
+        </p:blipFill>
+        <p:spPr bwMode="auto">
+          <a:xfrm>
+            <a:off x="1447800" y="5528647"/>
+            <a:ext cx="2668793" cy="872153"/>
+          </a:xfrm>
+          <a:prstGeom prst="rect">
+            <a:avLst/>
+          </a:prstGeom>
+          <a:noFill/>
+          <a:ln>
+            <a:noFill/>
+          </a:ln>
+          <a:extLst>
+            <a:ext uri="{909E8E84-426E-40DD-AFC4-6F175D3DCCD1}">
+              <a14:hiddenFill xmlns:a14="http://schemas.microsoft.com/office/drawing/2010/main">
+                <a:solidFill>
+                  <a:schemeClr val="accent1"/>
+                </a:solidFill>
+              </a14:hiddenFill>
+            </a:ext>
+            <a:ext uri="{91240B29-F687-4F45-9708-019B960494DF}">
+              <a14:hiddenLine xmlns:a14="http://schemas.microsoft.com/office/drawing/2010/main" w="9525">
+                <a:solidFill>
+                  <a:schemeClr val="tx1"/>
+                </a:solidFill>
+                <a:miter lim="800000"/>
+                <a:headEnd/>
+                <a:tailEnd/>
+              </a14:hiddenLine>
+            </a:ext>
+          </a:extLst>
+        </p:spPr>
+      </p:pic>
+      <p:pic>
+        <p:nvPicPr>
+          <p:cNvPr id="1027" name="Picture 3"/>
+          <p:cNvPicPr>
+            <a:picLocks noChangeAspect="1" noChangeArrowheads="1"/>
+          </p:cNvPicPr>
+          <p:nvPr/>
+        </p:nvPicPr>
+        <p:blipFill>
+          <a:blip r:embed="rId3">
+            <a:extLst>
+              <a:ext uri="{28A0092B-C50C-407E-A947-70E740481C1C}">
+                <a14:useLocalDpi xmlns:a14="http://schemas.microsoft.com/office/drawing/2010/main" val="0"/>
+              </a:ext>
+            </a:extLst>
+          </a:blip>
+          <a:srcRect/>
+          <a:stretch>
+            <a:fillRect/>
+          </a:stretch>
+        </p:blipFill>
+        <p:spPr bwMode="auto">
+          <a:xfrm>
+            <a:off x="5257800" y="5400675"/>
+            <a:ext cx="1514475" cy="1152525"/>
+          </a:xfrm>
+          <a:prstGeom prst="rect">
+            <a:avLst/>
+          </a:prstGeom>
+          <a:noFill/>
+          <a:ln>
+            <a:noFill/>
+          </a:ln>
+          <a:extLst>
+            <a:ext uri="{909E8E84-426E-40DD-AFC4-6F175D3DCCD1}">
+              <a14:hiddenFill xmlns:a14="http://schemas.microsoft.com/office/drawing/2010/main">
+                <a:solidFill>
+                  <a:schemeClr val="accent1"/>
+                </a:solidFill>
+              </a14:hiddenFill>
+            </a:ext>
+            <a:ext uri="{91240B29-F687-4F45-9708-019B960494DF}">
+              <a14:hiddenLine xmlns:a14="http://schemas.microsoft.com/office/drawing/2010/main" w="9525">
+                <a:solidFill>
+                  <a:schemeClr val="tx1"/>
+                </a:solidFill>
+                <a:miter lim="800000"/>
+                <a:headEnd/>
+                <a:tailEnd/>
+              </a14:hiddenLine>
+            </a:ext>
+          </a:extLst>
+        </p:spPr>
+      </p:pic>
+      <p:sp>
+        <p:nvSpPr>
+          <p:cNvPr id="4" name="Rectangle 4"/>
+          <p:cNvSpPr>
+            <a:spLocks noChangeArrowheads="1"/>
+          </p:cNvSpPr>
+          <p:nvPr/>
+        </p:nvSpPr>
+        <p:spPr bwMode="auto">
+          <a:xfrm>
+            <a:off x="0" y="0"/>
+            <a:ext cx="9144000" cy="457200"/>
+          </a:xfrm>
+          <a:prstGeom prst="rect">
+            <a:avLst/>
+          </a:prstGeom>
+          <a:noFill/>
+          <a:ln>
+            <a:noFill/>
+          </a:ln>
+          <a:effectLst/>
+          <a:extLst>
+            <a:ext uri="{909E8E84-426E-40DD-AFC4-6F175D3DCCD1}">
+              <a14:hiddenFill xmlns:a14="http://schemas.microsoft.com/office/drawing/2010/main">
+                <a:solidFill>
+                  <a:schemeClr val="accent1"/>
+                </a:solidFill>
+              </a14:hiddenFill>
+            </a:ext>
+            <a:ext uri="{91240B29-F687-4F45-9708-019B960494DF}">
+              <a14:hiddenLine xmlns:a14="http://schemas.microsoft.com/office/drawing/2010/main" w="9525">
+                <a:solidFill>
+                  <a:schemeClr val="tx1"/>
+                </a:solidFill>
+                <a:miter lim="800000"/>
+                <a:headEnd/>
+                <a:tailEnd/>
+              </a14:hiddenLine>
+            </a:ext>
+            <a:ext uri="{AF507438-7753-43E0-B8FC-AC1667EBCBE1}">
+              <a14:hiddenEffects xmlns:a14="http://schemas.microsoft.com/office/drawing/2010/main">
+                <a:effectLst>
+                  <a:outerShdw dist="35921" dir="2700000" algn="ctr" rotWithShape="0">
+                    <a:schemeClr val="bg2"/>
+                  </a:outerShdw>
+                </a:effectLst>
+              </a14:hiddenEffects>
+            </a:ext>
+          </a:extLst>
+        </p:spPr>
+        <p:txBody>
+          <a:bodyPr vert="horz" wrap="none" lIns="91440" tIns="0" rIns="91440" bIns="0" numCol="1" anchor="ctr" anchorCtr="0" compatLnSpc="1">
+            <a:prstTxWarp prst="textNoShape">
+              <a:avLst/>
+            </a:prstTxWarp>
+            <a:spAutoFit/>
+          </a:bodyPr>
+          <a:lstStyle/>
+          <a:p>
+            <a:pPr marL="0" marR="0" lvl="0" indent="0" algn="l" defTabSz="914400" rtl="0" eaLnBrk="1" fontAlgn="base" latinLnBrk="0" hangingPunct="1">
+              <a:lnSpc>
+                <a:spcPct val="100000"/>
+              </a:lnSpc>
+              <a:spcBef>
+                <a:spcPct val="0"/>
+              </a:spcBef>
+              <a:spcAft>
+                <a:spcPct val="0"/>
+              </a:spcAft>
+              <a:buClrTx/>
+              <a:buSzTx/>
+              <a:buFontTx/>
+              <a:buNone/>
+              <a:tabLst/>
+            </a:pPr>
+            <a:r>
+              <a:rPr kumimoji="0" lang="en-US" altLang="en-US" sz="1100" b="0" i="0" u="none" strike="noStrike" cap="none" normalizeH="0" baseline="0" smtClean="0">
+                <a:ln>
+                  <a:noFill/>
+                </a:ln>
+                <a:solidFill>
+                  <a:srgbClr val="24292E"/>
+                </a:solidFill>
+                <a:effectLst/>
+                <a:latin typeface="Arial Unicode MS" pitchFamily="34" charset="-122"/>
+                <a:ea typeface="SFMono-Regular"/>
+                <a:cs typeface="Arial" pitchFamily="34" charset="0"/>
+              </a:rPr>
+              <a:t>Pittsburgh Fast-Food Image Dataset</a:t>
+            </a:r>
+            <a:r>
+              <a:rPr kumimoji="0" lang="en-US" altLang="en-US" sz="700" b="0" i="0" u="none" strike="noStrike" cap="none" normalizeH="0" baseline="0" smtClean="0">
+                <a:ln>
+                  <a:noFill/>
+                </a:ln>
+                <a:solidFill>
+                  <a:schemeClr val="tx1"/>
+                </a:solidFill>
+                <a:effectLst/>
+                <a:latin typeface="Arial" pitchFamily="34" charset="0"/>
+                <a:cs typeface="Arial" pitchFamily="34" charset="0"/>
+              </a:rPr>
+              <a:t> </a:t>
+            </a:r>
+            <a:endParaRPr kumimoji="0" lang="en-US" altLang="en-US" sz="1800" b="0" i="0" u="none" strike="noStrike" cap="none" normalizeH="0" baseline="0" smtClean="0">
+              <a:ln>
+                <a:noFill/>
+              </a:ln>
+              <a:solidFill>
+                <a:schemeClr val="tx1"/>
+              </a:solidFill>
+              <a:effectLst/>
+              <a:latin typeface="Arial" pitchFamily="34" charset="0"/>
+              <a:cs typeface="Arial" pitchFamily="34" charset="0"/>
+            </a:endParaRPr>
           </a:p>
         </p:txBody>
       </p:sp>

--- a/Documentation/CodeCrunchers.pptx
+++ b/Documentation/CodeCrunchers.pptx
@@ -8,7 +8,7 @@
     <p:sldId id="256" r:id="rId2"/>
     <p:sldId id="257" r:id="rId3"/>
     <p:sldId id="258" r:id="rId4"/>
-    <p:sldId id="259" r:id="rId5"/>
+    <p:sldId id="262" r:id="rId5"/>
     <p:sldId id="260" r:id="rId6"/>
     <p:sldId id="261" r:id="rId7"/>
   </p:sldIdLst>
@@ -496,6 +496,7 @@
           <a:p>
             <a:fld id="{728B3BC7-CA78-4193-B433-93D914FFC2C7}" type="datetimeFigureOut">
               <a:rPr lang="en-US" smtClean="0"/>
+              <a:pPr/>
               <a:t>4/16/2017</a:t>
             </a:fld>
             <a:endParaRPr lang="en-US"/>
@@ -538,6 +539,7 @@
           <a:p>
             <a:fld id="{AE4061D8-A58F-4575-87D2-810901833F8F}" type="slidenum">
               <a:rPr lang="en-US" smtClean="0"/>
+              <a:pPr/>
               <a:t>‹#›</a:t>
             </a:fld>
             <a:endParaRPr lang="en-US"/>
@@ -661,6 +663,7 @@
           <a:p>
             <a:fld id="{728B3BC7-CA78-4193-B433-93D914FFC2C7}" type="datetimeFigureOut">
               <a:rPr lang="en-US" smtClean="0"/>
+              <a:pPr/>
               <a:t>4/16/2017</a:t>
             </a:fld>
             <a:endParaRPr lang="en-US"/>
@@ -703,6 +706,7 @@
           <a:p>
             <a:fld id="{AE4061D8-A58F-4575-87D2-810901833F8F}" type="slidenum">
               <a:rPr lang="en-US" smtClean="0"/>
+              <a:pPr/>
               <a:t>‹#›</a:t>
             </a:fld>
             <a:endParaRPr lang="en-US"/>
@@ -836,6 +840,7 @@
           <a:p>
             <a:fld id="{728B3BC7-CA78-4193-B433-93D914FFC2C7}" type="datetimeFigureOut">
               <a:rPr lang="en-US" smtClean="0"/>
+              <a:pPr/>
               <a:t>4/16/2017</a:t>
             </a:fld>
             <a:endParaRPr lang="en-US"/>
@@ -878,6 +883,7 @@
           <a:p>
             <a:fld id="{AE4061D8-A58F-4575-87D2-810901833F8F}" type="slidenum">
               <a:rPr lang="en-US" smtClean="0"/>
+              <a:pPr/>
               <a:t>‹#›</a:t>
             </a:fld>
             <a:endParaRPr lang="en-US"/>
@@ -1005,6 +1011,7 @@
           <a:p>
             <a:fld id="{728B3BC7-CA78-4193-B433-93D914FFC2C7}" type="datetimeFigureOut">
               <a:rPr lang="en-US" smtClean="0"/>
+              <a:pPr/>
               <a:t>4/16/2017</a:t>
             </a:fld>
             <a:endParaRPr lang="en-US"/>
@@ -1047,6 +1054,7 @@
           <a:p>
             <a:fld id="{AE4061D8-A58F-4575-87D2-810901833F8F}" type="slidenum">
               <a:rPr lang="en-US" smtClean="0"/>
+              <a:pPr/>
               <a:t>‹#›</a:t>
             </a:fld>
             <a:endParaRPr lang="en-US"/>
@@ -1460,6 +1468,7 @@
           <a:p>
             <a:fld id="{728B3BC7-CA78-4193-B433-93D914FFC2C7}" type="datetimeFigureOut">
               <a:rPr lang="en-US" smtClean="0"/>
+              <a:pPr/>
               <a:t>4/16/2017</a:t>
             </a:fld>
             <a:endParaRPr lang="en-US"/>
@@ -1502,6 +1511,7 @@
           <a:p>
             <a:fld id="{AE4061D8-A58F-4575-87D2-810901833F8F}" type="slidenum">
               <a:rPr lang="en-US" smtClean="0"/>
+              <a:pPr/>
               <a:t>‹#›</a:t>
             </a:fld>
             <a:endParaRPr lang="en-US"/>
@@ -1724,6 +1734,7 @@
           <a:p>
             <a:fld id="{728B3BC7-CA78-4193-B433-93D914FFC2C7}" type="datetimeFigureOut">
               <a:rPr lang="en-US" smtClean="0"/>
+              <a:pPr/>
               <a:t>4/16/2017</a:t>
             </a:fld>
             <a:endParaRPr lang="en-US"/>
@@ -1766,6 +1777,7 @@
           <a:p>
             <a:fld id="{AE4061D8-A58F-4575-87D2-810901833F8F}" type="slidenum">
               <a:rPr lang="en-US" smtClean="0"/>
+              <a:pPr/>
               <a:t>‹#›</a:t>
             </a:fld>
             <a:endParaRPr lang="en-US"/>
@@ -2098,6 +2110,7 @@
           <a:p>
             <a:fld id="{728B3BC7-CA78-4193-B433-93D914FFC2C7}" type="datetimeFigureOut">
               <a:rPr lang="en-US" smtClean="0"/>
+              <a:pPr/>
               <a:t>4/16/2017</a:t>
             </a:fld>
             <a:endParaRPr lang="en-US"/>
@@ -2140,6 +2153,7 @@
           <a:p>
             <a:fld id="{AE4061D8-A58F-4575-87D2-810901833F8F}" type="slidenum">
               <a:rPr lang="en-US" smtClean="0"/>
+              <a:pPr/>
               <a:t>‹#›</a:t>
             </a:fld>
             <a:endParaRPr lang="en-US"/>
@@ -2220,6 +2234,7 @@
           <a:p>
             <a:fld id="{728B3BC7-CA78-4193-B433-93D914FFC2C7}" type="datetimeFigureOut">
               <a:rPr lang="en-US" smtClean="0"/>
+              <a:pPr/>
               <a:t>4/16/2017</a:t>
             </a:fld>
             <a:endParaRPr lang="en-US"/>
@@ -2243,6 +2258,7 @@
           <a:p>
             <a:fld id="{AE4061D8-A58F-4575-87D2-810901833F8F}" type="slidenum">
               <a:rPr lang="en-US" smtClean="0"/>
+              <a:pPr/>
               <a:t>‹#›</a:t>
             </a:fld>
             <a:endParaRPr lang="en-US"/>
@@ -2310,6 +2326,7 @@
           <a:p>
             <a:fld id="{728B3BC7-CA78-4193-B433-93D914FFC2C7}" type="datetimeFigureOut">
               <a:rPr lang="en-US" smtClean="0"/>
+              <a:pPr/>
               <a:t>4/16/2017</a:t>
             </a:fld>
             <a:endParaRPr lang="en-US"/>
@@ -2352,6 +2369,7 @@
           <a:p>
             <a:fld id="{AE4061D8-A58F-4575-87D2-810901833F8F}" type="slidenum">
               <a:rPr lang="en-US" smtClean="0"/>
+              <a:pPr/>
               <a:t>‹#›</a:t>
             </a:fld>
             <a:endParaRPr lang="en-US"/>
@@ -2559,6 +2577,7 @@
           <a:p>
             <a:fld id="{728B3BC7-CA78-4193-B433-93D914FFC2C7}" type="datetimeFigureOut">
               <a:rPr lang="en-US" smtClean="0"/>
+              <a:pPr/>
               <a:t>4/16/2017</a:t>
             </a:fld>
             <a:endParaRPr lang="en-US"/>
@@ -2606,6 +2625,7 @@
           <a:p>
             <a:fld id="{AE4061D8-A58F-4575-87D2-810901833F8F}" type="slidenum">
               <a:rPr lang="en-US" smtClean="0"/>
+              <a:pPr/>
               <a:t>‹#›</a:t>
             </a:fld>
             <a:endParaRPr lang="en-US"/>
@@ -2818,6 +2838,7 @@
           <a:p>
             <a:fld id="{728B3BC7-CA78-4193-B433-93D914FFC2C7}" type="datetimeFigureOut">
               <a:rPr lang="en-US" smtClean="0"/>
+              <a:pPr/>
               <a:t>4/16/2017</a:t>
             </a:fld>
             <a:endParaRPr lang="en-US"/>
@@ -2860,6 +2881,7 @@
           <a:p>
             <a:fld id="{AE4061D8-A58F-4575-87D2-810901833F8F}" type="slidenum">
               <a:rPr lang="en-US" smtClean="0"/>
+              <a:pPr/>
               <a:t>‹#›</a:t>
             </a:fld>
             <a:endParaRPr lang="en-US"/>
@@ -3222,6 +3244,7 @@
           <a:p>
             <a:fld id="{728B3BC7-CA78-4193-B433-93D914FFC2C7}" type="datetimeFigureOut">
               <a:rPr lang="en-US" smtClean="0"/>
+              <a:pPr/>
               <a:t>4/16/2017</a:t>
             </a:fld>
             <a:endParaRPr lang="en-US"/>
@@ -3300,6 +3323,7 @@
           <a:p>
             <a:fld id="{AE4061D8-A58F-4575-87D2-810901833F8F}" type="slidenum">
               <a:rPr lang="en-US" smtClean="0"/>
+              <a:pPr/>
               <a:t>‹#›</a:t>
             </a:fld>
             <a:endParaRPr lang="en-US"/>
@@ -4007,7 +4031,12 @@
             <p:ph type="title"/>
           </p:nvPr>
         </p:nvSpPr>
-        <p:spPr/>
+        <p:spPr>
+          <a:xfrm>
+            <a:off x="381000" y="228600"/>
+            <a:ext cx="7467600" cy="1143000"/>
+          </a:xfrm>
+        </p:spPr>
         <p:txBody>
           <a:bodyPr>
             <a:normAutofit fontScale="90000"/>
@@ -4032,12 +4061,292 @@
             <p:ph idx="1"/>
           </p:nvPr>
         </p:nvSpPr>
-        <p:spPr/>
+        <p:spPr>
+          <a:xfrm>
+            <a:off x="152400" y="1219200"/>
+            <a:ext cx="8534400" cy="4648200"/>
+          </a:xfrm>
+        </p:spPr>
         <p:txBody>
           <a:bodyPr/>
           <a:lstStyle/>
           <a:p>
-            <a:endParaRPr lang="en-US"/>
+            <a:r>
+              <a:rPr lang="en-US" dirty="0" smtClean="0"/>
+              <a:t>Created 3 food categories (due to training time limitation): hamburger, salad, and sub (submarine sandwich)</a:t>
+            </a:r>
+          </a:p>
+          <a:p>
+            <a:r>
+              <a:rPr lang="en-US" dirty="0" smtClean="0"/>
+              <a:t>Used </a:t>
+            </a:r>
+            <a:r>
+              <a:rPr lang="en-US" dirty="0" err="1" smtClean="0"/>
+              <a:t>TensorFlow</a:t>
+            </a:r>
+            <a:r>
+              <a:rPr lang="en-US" dirty="0" smtClean="0"/>
+              <a:t> google inception model. Trained last layer and got the bottleneck data.</a:t>
+            </a:r>
+          </a:p>
+          <a:p>
+            <a:r>
+              <a:rPr lang="en-US" dirty="0" smtClean="0"/>
+              <a:t>Left picture: </a:t>
+            </a:r>
+            <a:r>
+              <a:rPr lang="en-US" dirty="0" err="1" smtClean="0"/>
+              <a:t>Tensorflow</a:t>
+            </a:r>
+            <a:r>
+              <a:rPr lang="en-US" dirty="0" smtClean="0"/>
+              <a:t> testing result with accuracy 98%. Right: testing image.</a:t>
+            </a:r>
+          </a:p>
+          <a:p>
+            <a:r>
+              <a:rPr lang="en-US" dirty="0" smtClean="0"/>
+              <a:t>Dataset: </a:t>
+            </a:r>
+            <a:r>
+              <a:rPr lang="en-US" dirty="0"/>
+              <a:t>Pittsburgh Fast-Food Image </a:t>
+            </a:r>
+            <a:r>
+              <a:rPr lang="en-US" dirty="0" smtClean="0"/>
+              <a:t>Dataset.</a:t>
+            </a:r>
+          </a:p>
+          <a:p>
+            <a:pPr marL="36576" indent="0">
+              <a:buNone/>
+            </a:pPr>
+            <a:endParaRPr lang="en-US" dirty="0"/>
+          </a:p>
+        </p:txBody>
+      </p:sp>
+      <p:pic>
+        <p:nvPicPr>
+          <p:cNvPr id="1026" name="Picture 2"/>
+          <p:cNvPicPr>
+            <a:picLocks noChangeAspect="1" noChangeArrowheads="1"/>
+          </p:cNvPicPr>
+          <p:nvPr/>
+        </p:nvPicPr>
+        <p:blipFill rotWithShape="1">
+          <a:blip r:embed="rId2" cstate="print">
+            <a:extLst>
+              <a:ext uri="{28A0092B-C50C-407E-A947-70E740481C1C}">
+                <a14:useLocalDpi xmlns:a14="http://schemas.microsoft.com/office/drawing/2010/main" xmlns="" val="0"/>
+              </a:ext>
+            </a:extLst>
+          </a:blip>
+          <a:srcRect l="16611" t="56398"/>
+          <a:stretch/>
+        </p:blipFill>
+        <p:spPr bwMode="auto">
+          <a:xfrm>
+            <a:off x="1447800" y="5528647"/>
+            <a:ext cx="2668793" cy="872153"/>
+          </a:xfrm>
+          <a:prstGeom prst="rect">
+            <a:avLst/>
+          </a:prstGeom>
+          <a:noFill/>
+          <a:ln>
+            <a:noFill/>
+          </a:ln>
+          <a:extLst>
+            <a:ext uri="{909E8E84-426E-40DD-AFC4-6F175D3DCCD1}">
+              <a14:hiddenFill xmlns:a14="http://schemas.microsoft.com/office/drawing/2010/main" xmlns="">
+                <a:solidFill>
+                  <a:schemeClr val="accent1"/>
+                </a:solidFill>
+              </a14:hiddenFill>
+            </a:ext>
+            <a:ext uri="{91240B29-F687-4F45-9708-019B960494DF}">
+              <a14:hiddenLine xmlns:a14="http://schemas.microsoft.com/office/drawing/2010/main" xmlns="" w="9525">
+                <a:solidFill>
+                  <a:schemeClr val="tx1"/>
+                </a:solidFill>
+                <a:miter lim="800000"/>
+                <a:headEnd/>
+                <a:tailEnd/>
+              </a14:hiddenLine>
+            </a:ext>
+          </a:extLst>
+        </p:spPr>
+      </p:pic>
+      <p:pic>
+        <p:nvPicPr>
+          <p:cNvPr id="1027" name="Picture 3"/>
+          <p:cNvPicPr>
+            <a:picLocks noChangeAspect="1" noChangeArrowheads="1"/>
+          </p:cNvPicPr>
+          <p:nvPr/>
+        </p:nvPicPr>
+        <p:blipFill>
+          <a:blip r:embed="rId3" cstate="print">
+            <a:extLst>
+              <a:ext uri="{28A0092B-C50C-407E-A947-70E740481C1C}">
+                <a14:useLocalDpi xmlns:a14="http://schemas.microsoft.com/office/drawing/2010/main" xmlns="" val="0"/>
+              </a:ext>
+            </a:extLst>
+          </a:blip>
+          <a:srcRect/>
+          <a:stretch>
+            <a:fillRect/>
+          </a:stretch>
+        </p:blipFill>
+        <p:spPr bwMode="auto">
+          <a:xfrm>
+            <a:off x="5257800" y="5400675"/>
+            <a:ext cx="1514475" cy="1152525"/>
+          </a:xfrm>
+          <a:prstGeom prst="rect">
+            <a:avLst/>
+          </a:prstGeom>
+          <a:noFill/>
+          <a:ln>
+            <a:noFill/>
+          </a:ln>
+          <a:extLst>
+            <a:ext uri="{909E8E84-426E-40DD-AFC4-6F175D3DCCD1}">
+              <a14:hiddenFill xmlns:a14="http://schemas.microsoft.com/office/drawing/2010/main" xmlns="">
+                <a:solidFill>
+                  <a:schemeClr val="accent1"/>
+                </a:solidFill>
+              </a14:hiddenFill>
+            </a:ext>
+            <a:ext uri="{91240B29-F687-4F45-9708-019B960494DF}">
+              <a14:hiddenLine xmlns:a14="http://schemas.microsoft.com/office/drawing/2010/main" xmlns="" w="9525">
+                <a:solidFill>
+                  <a:schemeClr val="tx1"/>
+                </a:solidFill>
+                <a:miter lim="800000"/>
+                <a:headEnd/>
+                <a:tailEnd/>
+              </a14:hiddenLine>
+            </a:ext>
+          </a:extLst>
+        </p:spPr>
+      </p:pic>
+      <p:sp>
+        <p:nvSpPr>
+          <p:cNvPr id="4" name="Rectangle 4"/>
+          <p:cNvSpPr>
+            <a:spLocks noChangeArrowheads="1"/>
+          </p:cNvSpPr>
+          <p:nvPr/>
+        </p:nvSpPr>
+        <p:spPr bwMode="auto">
+          <a:xfrm>
+            <a:off x="0" y="0"/>
+            <a:ext cx="9144000" cy="457200"/>
+          </a:xfrm>
+          <a:prstGeom prst="rect">
+            <a:avLst/>
+          </a:prstGeom>
+          <a:noFill/>
+          <a:ln>
+            <a:noFill/>
+          </a:ln>
+          <a:effectLst/>
+          <a:extLst>
+            <a:ext uri="{909E8E84-426E-40DD-AFC4-6F175D3DCCD1}">
+              <a14:hiddenFill xmlns:a14="http://schemas.microsoft.com/office/drawing/2010/main" xmlns="">
+                <a:solidFill>
+                  <a:schemeClr val="accent1"/>
+                </a:solidFill>
+              </a14:hiddenFill>
+            </a:ext>
+            <a:ext uri="{91240B29-F687-4F45-9708-019B960494DF}">
+              <a14:hiddenLine xmlns:a14="http://schemas.microsoft.com/office/drawing/2010/main" xmlns="" w="9525">
+                <a:solidFill>
+                  <a:schemeClr val="tx1"/>
+                </a:solidFill>
+                <a:miter lim="800000"/>
+                <a:headEnd/>
+                <a:tailEnd/>
+              </a14:hiddenLine>
+            </a:ext>
+            <a:ext uri="{AF507438-7753-43E0-B8FC-AC1667EBCBE1}">
+              <a14:hiddenEffects xmlns:a14="http://schemas.microsoft.com/office/drawing/2010/main" xmlns="">
+                <a:effectLst>
+                  <a:outerShdw dist="35921" dir="2700000" algn="ctr" rotWithShape="0">
+                    <a:schemeClr val="bg2"/>
+                  </a:outerShdw>
+                </a:effectLst>
+              </a14:hiddenEffects>
+            </a:ext>
+          </a:extLst>
+        </p:spPr>
+        <p:txBody>
+          <a:bodyPr vert="horz" wrap="none" lIns="91440" tIns="0" rIns="91440" bIns="0" numCol="1" anchor="ctr" anchorCtr="0" compatLnSpc="1">
+            <a:prstTxWarp prst="textNoShape">
+              <a:avLst/>
+            </a:prstTxWarp>
+            <a:spAutoFit/>
+          </a:bodyPr>
+          <a:lstStyle/>
+          <a:p>
+            <a:pPr marL="0" marR="0" lvl="0" indent="0" algn="l" defTabSz="914400" rtl="0" eaLnBrk="1" fontAlgn="base" latinLnBrk="0" hangingPunct="1">
+              <a:lnSpc>
+                <a:spcPct val="100000"/>
+              </a:lnSpc>
+              <a:spcBef>
+                <a:spcPct val="0"/>
+              </a:spcBef>
+              <a:spcAft>
+                <a:spcPct val="0"/>
+              </a:spcAft>
+              <a:buClrTx/>
+              <a:buSzTx/>
+              <a:buFontTx/>
+              <a:buNone/>
+              <a:tabLst/>
+            </a:pPr>
+            <a:r>
+              <a:rPr kumimoji="0" lang="en-US" altLang="en-US" sz="1100" b="0" i="0" u="none" strike="noStrike" cap="none" normalizeH="0" baseline="0" smtClean="0">
+                <a:ln>
+                  <a:noFill/>
+                </a:ln>
+                <a:solidFill>
+                  <a:srgbClr val="24292E"/>
+                </a:solidFill>
+                <a:effectLst/>
+                <a:latin typeface="Arial Unicode MS" pitchFamily="34" charset="-122"/>
+                <a:ea typeface="SFMono-Regular"/>
+                <a:cs typeface="Arial" pitchFamily="34" charset="0"/>
+              </a:rPr>
+              <a:t>Pittsburgh Fast-Food Image Dataset</a:t>
+            </a:r>
+            <a:r>
+              <a:rPr kumimoji="0" lang="en-US" altLang="en-US" sz="700" b="0" i="0" u="none" strike="noStrike" cap="none" normalizeH="0" baseline="0" smtClean="0">
+                <a:ln>
+                  <a:noFill/>
+                </a:ln>
+                <a:solidFill>
+                  <a:schemeClr val="tx1"/>
+                </a:solidFill>
+                <a:effectLst/>
+                <a:latin typeface="Arial" pitchFamily="34" charset="0"/>
+                <a:cs typeface="Arial" pitchFamily="34" charset="0"/>
+              </a:rPr>
+              <a:t> </a:t>
+            </a:r>
+            <a:endParaRPr kumimoji="0" lang="en-US" altLang="en-US" sz="1800" b="0" i="0" u="none" strike="noStrike" cap="none" normalizeH="0" baseline="0" smtClean="0">
+              <a:ln>
+                <a:noFill/>
+              </a:ln>
+              <a:solidFill>
+                <a:schemeClr val="tx1"/>
+              </a:solidFill>
+              <a:effectLst/>
+              <a:latin typeface="Arial" pitchFamily="34" charset="0"/>
+              <a:cs typeface="Arial" pitchFamily="34" charset="0"/>
+            </a:endParaRPr>
           </a:p>
         </p:txBody>
       </p:sp>
@@ -4076,37 +4385,173 @@
             <p:ph type="title"/>
           </p:nvPr>
         </p:nvSpPr>
-        <p:spPr/>
+        <p:spPr>
+          <a:xfrm>
+            <a:off x="457200" y="274638"/>
+            <a:ext cx="7467600" cy="944562"/>
+          </a:xfrm>
+        </p:spPr>
         <p:txBody>
           <a:bodyPr>
-            <a:normAutofit fontScale="90000"/>
+            <a:normAutofit/>
           </a:bodyPr>
           <a:lstStyle/>
           <a:p>
             <a:r>
-              <a:rPr lang="en-US" dirty="0" smtClean="0"/>
+              <a:rPr lang="en-US" sz="3200" dirty="0" smtClean="0"/>
               <a:t>Nutrition Analysis by Jackie Batson</a:t>
             </a:r>
+            <a:endParaRPr lang="en-US" sz="3200" dirty="0"/>
+          </a:p>
+        </p:txBody>
+      </p:sp>
+      <p:sp>
+        <p:nvSpPr>
+          <p:cNvPr id="3" name="Content Placeholder 2"/>
+          <p:cNvSpPr>
+            <a:spLocks noGrp="1"/>
+          </p:cNvSpPr>
+          <p:nvPr>
+            <p:ph idx="1"/>
+          </p:nvPr>
+        </p:nvSpPr>
+        <p:spPr>
+          <a:xfrm>
+            <a:off x="457200" y="1295400"/>
+            <a:ext cx="7467600" cy="4830763"/>
+          </a:xfrm>
+        </p:spPr>
+        <p:txBody>
+          <a:bodyPr/>
+          <a:lstStyle/>
+          <a:p>
+            <a:pPr>
+              <a:buNone/>
+            </a:pPr>
+            <a:r>
+              <a:rPr lang="en-US" sz="1600" dirty="0" smtClean="0"/>
+              <a:t>This analysis begins after the user’s image has been identified by the </a:t>
+            </a:r>
+            <a:r>
+              <a:rPr lang="en-US" sz="1600" dirty="0" err="1" smtClean="0"/>
+              <a:t>TensorFlow</a:t>
+            </a:r>
+            <a:r>
+              <a:rPr lang="en-US" sz="1600" dirty="0" smtClean="0"/>
+              <a:t> model.  It assumes that we have a string name for the food, e.g. “cheeseburger”, from the model.  I subbed in example strings before image classification was done.  Here are some examples:</a:t>
+            </a:r>
+          </a:p>
+          <a:p>
+            <a:pPr>
+              <a:buNone/>
+            </a:pPr>
+            <a:endParaRPr lang="en-US" sz="1800" dirty="0" smtClean="0"/>
+          </a:p>
+          <a:p>
+            <a:pPr>
+              <a:buNone/>
+            </a:pPr>
+            <a:endParaRPr lang="en-US" sz="1800" dirty="0" smtClean="0"/>
+          </a:p>
+          <a:p>
+            <a:pPr>
+              <a:buNone/>
+            </a:pPr>
             <a:endParaRPr lang="en-US" dirty="0"/>
           </a:p>
         </p:txBody>
       </p:sp>
-      <p:sp>
-        <p:nvSpPr>
-          <p:cNvPr id="3" name="Content Placeholder 2"/>
-          <p:cNvSpPr>
-            <a:spLocks noGrp="1"/>
-          </p:cNvSpPr>
-          <p:nvPr>
-            <p:ph idx="1"/>
-          </p:nvPr>
-        </p:nvSpPr>
-        <p:spPr/>
-        <p:txBody>
-          <a:bodyPr/>
-          <a:lstStyle/>
-          <a:p>
-            <a:endParaRPr lang="en-US"/>
+      <p:pic>
+        <p:nvPicPr>
+          <p:cNvPr id="5" name="Picture 4" descr="nutritionResultsApple.png"/>
+          <p:cNvPicPr>
+            <a:picLocks noChangeAspect="1"/>
+          </p:cNvPicPr>
+          <p:nvPr/>
+        </p:nvPicPr>
+        <p:blipFill>
+          <a:blip r:embed="rId2" cstate="print"/>
+          <a:stretch>
+            <a:fillRect/>
+          </a:stretch>
+        </p:blipFill>
+        <p:spPr>
+          <a:xfrm>
+            <a:off x="304800" y="2743200"/>
+            <a:ext cx="2571750" cy="4114800"/>
+          </a:xfrm>
+          <a:prstGeom prst="rect">
+            <a:avLst/>
+          </a:prstGeom>
+        </p:spPr>
+      </p:pic>
+      <p:pic>
+        <p:nvPicPr>
+          <p:cNvPr id="6" name="Picture 5" descr="nutritionResultsDoughnut.png"/>
+          <p:cNvPicPr>
+            <a:picLocks noChangeAspect="1"/>
+          </p:cNvPicPr>
+          <p:nvPr/>
+        </p:nvPicPr>
+        <p:blipFill>
+          <a:blip r:embed="rId3" cstate="print"/>
+          <a:stretch>
+            <a:fillRect/>
+          </a:stretch>
+        </p:blipFill>
+        <p:spPr>
+          <a:xfrm>
+            <a:off x="6248400" y="2697480"/>
+            <a:ext cx="2600325" cy="4160520"/>
+          </a:xfrm>
+          <a:prstGeom prst="rect">
+            <a:avLst/>
+          </a:prstGeom>
+        </p:spPr>
+      </p:pic>
+      <p:sp>
+        <p:nvSpPr>
+          <p:cNvPr id="7" name="TextBox 6"/>
+          <p:cNvSpPr txBox="1"/>
+          <p:nvPr/>
+        </p:nvSpPr>
+        <p:spPr>
+          <a:xfrm>
+            <a:off x="2971800" y="2362201"/>
+            <a:ext cx="3124200" cy="4419600"/>
+          </a:xfrm>
+          <a:prstGeom prst="rect">
+            <a:avLst/>
+          </a:prstGeom>
+          <a:noFill/>
+        </p:spPr>
+        <p:txBody>
+          <a:bodyPr wrap="square" rtlCol="0">
+            <a:spAutoFit/>
+          </a:bodyPr>
+          <a:lstStyle/>
+          <a:p>
+            <a:r>
+              <a:rPr lang="en-US" sz="1400" dirty="0" smtClean="0"/>
+              <a:t>On the left, the input from the food classification output is “apple”, shown at the top.  A nutritional breakdown, including calories, is then shown, powered by the </a:t>
+            </a:r>
+            <a:r>
+              <a:rPr lang="en-US" sz="1400" dirty="0" err="1" smtClean="0"/>
+              <a:t>Nutritionix</a:t>
+            </a:r>
+            <a:r>
+              <a:rPr lang="en-US" sz="1400" dirty="0" smtClean="0"/>
+              <a:t> API.  I then analyzed the nutritional results, anything less than 5% daily value is low and greater than 20% </a:t>
+            </a:r>
+            <a:r>
+              <a:rPr lang="en-US" sz="1400" dirty="0" err="1" smtClean="0"/>
+              <a:t>dv</a:t>
+            </a:r>
+            <a:r>
+              <a:rPr lang="en-US" sz="1400" dirty="0" smtClean="0"/>
+              <a:t> is high.  Healthy foods are high in vitamins, calcium, and fiber and low in saturated fats, cholesterol, and sodium.  I decided that if a food had at least two healthy traits and more healthy than unhealthy traits, it is a healthy food.  If it has two or more unhealthy traits and more unhealthy than healthy traits, it is a junk food.  Otherwise, it is a neutral food.  On the right, we see the same results for “doughnut”.</a:t>
+            </a:r>
+            <a:endParaRPr lang="en-US" sz="1400" dirty="0"/>
           </a:p>
         </p:txBody>
       </p:sp>

--- a/Documentation/CodeCrunchers.pptx
+++ b/Documentation/CodeCrunchers.pptx
@@ -4,6 +4,9 @@
   <p:sldMasterIdLst>
     <p:sldMasterId id="2147483660" r:id="rId1"/>
   </p:sldMasterIdLst>
+  <p:notesMasterIdLst>
+    <p:notesMasterId r:id="rId8"/>
+  </p:notesMasterIdLst>
   <p:sldIdLst>
     <p:sldId id="256" r:id="rId2"/>
     <p:sldId id="257" r:id="rId3"/>
@@ -109,7 +112,456 @@
       </a:defRPr>
     </a:lvl9pPr>
   </p:defaultTextStyle>
+  <p:extLst>
+    <p:ext uri="{EFAFB233-063F-42B5-8137-9DF3F51BA10A}">
+      <p15:sldGuideLst xmlns:p15="http://schemas.microsoft.com/office/powerpoint/2012/main">
+        <p15:guide id="1" orient="horz" pos="2160">
+          <p15:clr>
+            <a:srgbClr val="A4A3A4"/>
+          </p15:clr>
+        </p15:guide>
+        <p15:guide id="2" pos="2880">
+          <p15:clr>
+            <a:srgbClr val="A4A3A4"/>
+          </p15:clr>
+        </p15:guide>
+      </p15:sldGuideLst>
+    </p:ext>
+  </p:extLst>
 </p:presentation>
+</file>
+
+<file path=ppt/notesMasters/notesMaster1.xml><?xml version="1.0" encoding="utf-8"?>
+<p:notesMaster xmlns:a="http://schemas.openxmlformats.org/drawingml/2006/main" xmlns:r="http://schemas.openxmlformats.org/officeDocument/2006/relationships" xmlns:p="http://schemas.openxmlformats.org/presentationml/2006/main">
+  <p:cSld>
+    <p:bg>
+      <p:bgRef idx="1001">
+        <a:schemeClr val="bg1"/>
+      </p:bgRef>
+    </p:bg>
+    <p:spTree>
+      <p:nvGrpSpPr>
+        <p:cNvPr id="1" name=""/>
+        <p:cNvGrpSpPr/>
+        <p:nvPr/>
+      </p:nvGrpSpPr>
+      <p:grpSpPr>
+        <a:xfrm>
+          <a:off x="0" y="0"/>
+          <a:ext cx="0" cy="0"/>
+          <a:chOff x="0" y="0"/>
+          <a:chExt cx="0" cy="0"/>
+        </a:xfrm>
+      </p:grpSpPr>
+      <p:sp>
+        <p:nvSpPr>
+          <p:cNvPr id="2" name="Header Placeholder 1"/>
+          <p:cNvSpPr>
+            <a:spLocks noGrp="1"/>
+          </p:cNvSpPr>
+          <p:nvPr>
+            <p:ph type="hdr" sz="quarter"/>
+          </p:nvPr>
+        </p:nvSpPr>
+        <p:spPr>
+          <a:xfrm>
+            <a:off x="0" y="0"/>
+            <a:ext cx="2971800" cy="458788"/>
+          </a:xfrm>
+          <a:prstGeom prst="rect">
+            <a:avLst/>
+          </a:prstGeom>
+        </p:spPr>
+        <p:txBody>
+          <a:bodyPr vert="horz" lIns="91440" tIns="45720" rIns="91440" bIns="45720" rtlCol="0"/>
+          <a:lstStyle>
+            <a:lvl1pPr algn="l">
+              <a:defRPr sz="1200"/>
+            </a:lvl1pPr>
+          </a:lstStyle>
+          <a:p>
+            <a:endParaRPr lang="en-US"/>
+          </a:p>
+        </p:txBody>
+      </p:sp>
+      <p:sp>
+        <p:nvSpPr>
+          <p:cNvPr id="3" name="Date Placeholder 2"/>
+          <p:cNvSpPr>
+            <a:spLocks noGrp="1"/>
+          </p:cNvSpPr>
+          <p:nvPr>
+            <p:ph type="dt" idx="1"/>
+          </p:nvPr>
+        </p:nvSpPr>
+        <p:spPr>
+          <a:xfrm>
+            <a:off x="3884613" y="0"/>
+            <a:ext cx="2971800" cy="458788"/>
+          </a:xfrm>
+          <a:prstGeom prst="rect">
+            <a:avLst/>
+          </a:prstGeom>
+        </p:spPr>
+        <p:txBody>
+          <a:bodyPr vert="horz" lIns="91440" tIns="45720" rIns="91440" bIns="45720" rtlCol="0"/>
+          <a:lstStyle>
+            <a:lvl1pPr algn="r">
+              <a:defRPr sz="1200"/>
+            </a:lvl1pPr>
+          </a:lstStyle>
+          <a:p>
+            <a:fld id="{D43039F3-D845-49BE-B25B-D230A1FA7B5C}" type="datetimeFigureOut">
+              <a:rPr lang="en-US" smtClean="0"/>
+              <a:t>4/16/2017</a:t>
+            </a:fld>
+            <a:endParaRPr lang="en-US"/>
+          </a:p>
+        </p:txBody>
+      </p:sp>
+      <p:sp>
+        <p:nvSpPr>
+          <p:cNvPr id="4" name="Slide Image Placeholder 3"/>
+          <p:cNvSpPr>
+            <a:spLocks noGrp="1" noRot="1" noChangeAspect="1"/>
+          </p:cNvSpPr>
+          <p:nvPr>
+            <p:ph type="sldImg" idx="2"/>
+          </p:nvPr>
+        </p:nvSpPr>
+        <p:spPr>
+          <a:xfrm>
+            <a:off x="1371600" y="1143000"/>
+            <a:ext cx="4114800" cy="3086100"/>
+          </a:xfrm>
+          <a:prstGeom prst="rect">
+            <a:avLst/>
+          </a:prstGeom>
+          <a:noFill/>
+          <a:ln w="12700">
+            <a:solidFill>
+              <a:prstClr val="black"/>
+            </a:solidFill>
+          </a:ln>
+        </p:spPr>
+        <p:txBody>
+          <a:bodyPr vert="horz" lIns="91440" tIns="45720" rIns="91440" bIns="45720" rtlCol="0" anchor="ctr"/>
+          <a:lstStyle/>
+          <a:p>
+            <a:endParaRPr lang="en-US"/>
+          </a:p>
+        </p:txBody>
+      </p:sp>
+      <p:sp>
+        <p:nvSpPr>
+          <p:cNvPr id="5" name="Notes Placeholder 4"/>
+          <p:cNvSpPr>
+            <a:spLocks noGrp="1"/>
+          </p:cNvSpPr>
+          <p:nvPr>
+            <p:ph type="body" sz="quarter" idx="3"/>
+          </p:nvPr>
+        </p:nvSpPr>
+        <p:spPr>
+          <a:xfrm>
+            <a:off x="685800" y="4400550"/>
+            <a:ext cx="5486400" cy="3600450"/>
+          </a:xfrm>
+          <a:prstGeom prst="rect">
+            <a:avLst/>
+          </a:prstGeom>
+        </p:spPr>
+        <p:txBody>
+          <a:bodyPr vert="horz" lIns="91440" tIns="45720" rIns="91440" bIns="45720" rtlCol="0"/>
+          <a:lstStyle/>
+          <a:p>
+            <a:pPr lvl="0"/>
+            <a:r>
+              <a:rPr lang="en-US"/>
+              <a:t>Edit Master text styles</a:t>
+            </a:r>
+          </a:p>
+          <a:p>
+            <a:pPr lvl="1"/>
+            <a:r>
+              <a:rPr lang="en-US"/>
+              <a:t>Second level</a:t>
+            </a:r>
+          </a:p>
+          <a:p>
+            <a:pPr lvl="2"/>
+            <a:r>
+              <a:rPr lang="en-US"/>
+              <a:t>Third level</a:t>
+            </a:r>
+          </a:p>
+          <a:p>
+            <a:pPr lvl="3"/>
+            <a:r>
+              <a:rPr lang="en-US"/>
+              <a:t>Fourth level</a:t>
+            </a:r>
+          </a:p>
+          <a:p>
+            <a:pPr lvl="4"/>
+            <a:r>
+              <a:rPr lang="en-US"/>
+              <a:t>Fifth level</a:t>
+            </a:r>
+          </a:p>
+        </p:txBody>
+      </p:sp>
+      <p:sp>
+        <p:nvSpPr>
+          <p:cNvPr id="6" name="Footer Placeholder 5"/>
+          <p:cNvSpPr>
+            <a:spLocks noGrp="1"/>
+          </p:cNvSpPr>
+          <p:nvPr>
+            <p:ph type="ftr" sz="quarter" idx="4"/>
+          </p:nvPr>
+        </p:nvSpPr>
+        <p:spPr>
+          <a:xfrm>
+            <a:off x="0" y="8685213"/>
+            <a:ext cx="2971800" cy="458787"/>
+          </a:xfrm>
+          <a:prstGeom prst="rect">
+            <a:avLst/>
+          </a:prstGeom>
+        </p:spPr>
+        <p:txBody>
+          <a:bodyPr vert="horz" lIns="91440" tIns="45720" rIns="91440" bIns="45720" rtlCol="0" anchor="b"/>
+          <a:lstStyle>
+            <a:lvl1pPr algn="l">
+              <a:defRPr sz="1200"/>
+            </a:lvl1pPr>
+          </a:lstStyle>
+          <a:p>
+            <a:endParaRPr lang="en-US"/>
+          </a:p>
+        </p:txBody>
+      </p:sp>
+      <p:sp>
+        <p:nvSpPr>
+          <p:cNvPr id="7" name="Slide Number Placeholder 6"/>
+          <p:cNvSpPr>
+            <a:spLocks noGrp="1"/>
+          </p:cNvSpPr>
+          <p:nvPr>
+            <p:ph type="sldNum" sz="quarter" idx="5"/>
+          </p:nvPr>
+        </p:nvSpPr>
+        <p:spPr>
+          <a:xfrm>
+            <a:off x="3884613" y="8685213"/>
+            <a:ext cx="2971800" cy="458787"/>
+          </a:xfrm>
+          <a:prstGeom prst="rect">
+            <a:avLst/>
+          </a:prstGeom>
+        </p:spPr>
+        <p:txBody>
+          <a:bodyPr vert="horz" lIns="91440" tIns="45720" rIns="91440" bIns="45720" rtlCol="0" anchor="b"/>
+          <a:lstStyle>
+            <a:lvl1pPr algn="r">
+              <a:defRPr sz="1200"/>
+            </a:lvl1pPr>
+          </a:lstStyle>
+          <a:p>
+            <a:fld id="{B00250B8-0FC9-4A37-BC43-1E1511BB642F}" type="slidenum">
+              <a:rPr lang="en-US" smtClean="0"/>
+              <a:t>‹#›</a:t>
+            </a:fld>
+            <a:endParaRPr lang="en-US"/>
+          </a:p>
+        </p:txBody>
+      </p:sp>
+    </p:spTree>
+    <p:extLst>
+      <p:ext uri="{BB962C8B-B14F-4D97-AF65-F5344CB8AC3E}">
+        <p14:creationId xmlns:p14="http://schemas.microsoft.com/office/powerpoint/2010/main" val="4182651958"/>
+      </p:ext>
+    </p:extLst>
+  </p:cSld>
+  <p:clrMap bg1="lt1" tx1="dk1" bg2="lt2" tx2="dk2" accent1="accent1" accent2="accent2" accent3="accent3" accent4="accent4" accent5="accent5" accent6="accent6" hlink="hlink" folHlink="folHlink"/>
+  <p:notesStyle>
+    <a:lvl1pPr marL="0" algn="l" defTabSz="914400" rtl="0" eaLnBrk="1" latinLnBrk="0" hangingPunct="1">
+      <a:defRPr sz="1200" kern="1200">
+        <a:solidFill>
+          <a:schemeClr val="tx1"/>
+        </a:solidFill>
+        <a:latin typeface="+mn-lt"/>
+        <a:ea typeface="+mn-ea"/>
+        <a:cs typeface="+mn-cs"/>
+      </a:defRPr>
+    </a:lvl1pPr>
+    <a:lvl2pPr marL="457200" algn="l" defTabSz="914400" rtl="0" eaLnBrk="1" latinLnBrk="0" hangingPunct="1">
+      <a:defRPr sz="1200" kern="1200">
+        <a:solidFill>
+          <a:schemeClr val="tx1"/>
+        </a:solidFill>
+        <a:latin typeface="+mn-lt"/>
+        <a:ea typeface="+mn-ea"/>
+        <a:cs typeface="+mn-cs"/>
+      </a:defRPr>
+    </a:lvl2pPr>
+    <a:lvl3pPr marL="914400" algn="l" defTabSz="914400" rtl="0" eaLnBrk="1" latinLnBrk="0" hangingPunct="1">
+      <a:defRPr sz="1200" kern="1200">
+        <a:solidFill>
+          <a:schemeClr val="tx1"/>
+        </a:solidFill>
+        <a:latin typeface="+mn-lt"/>
+        <a:ea typeface="+mn-ea"/>
+        <a:cs typeface="+mn-cs"/>
+      </a:defRPr>
+    </a:lvl3pPr>
+    <a:lvl4pPr marL="1371600" algn="l" defTabSz="914400" rtl="0" eaLnBrk="1" latinLnBrk="0" hangingPunct="1">
+      <a:defRPr sz="1200" kern="1200">
+        <a:solidFill>
+          <a:schemeClr val="tx1"/>
+        </a:solidFill>
+        <a:latin typeface="+mn-lt"/>
+        <a:ea typeface="+mn-ea"/>
+        <a:cs typeface="+mn-cs"/>
+      </a:defRPr>
+    </a:lvl4pPr>
+    <a:lvl5pPr marL="1828800" algn="l" defTabSz="914400" rtl="0" eaLnBrk="1" latinLnBrk="0" hangingPunct="1">
+      <a:defRPr sz="1200" kern="1200">
+        <a:solidFill>
+          <a:schemeClr val="tx1"/>
+        </a:solidFill>
+        <a:latin typeface="+mn-lt"/>
+        <a:ea typeface="+mn-ea"/>
+        <a:cs typeface="+mn-cs"/>
+      </a:defRPr>
+    </a:lvl5pPr>
+    <a:lvl6pPr marL="2286000" algn="l" defTabSz="914400" rtl="0" eaLnBrk="1" latinLnBrk="0" hangingPunct="1">
+      <a:defRPr sz="1200" kern="1200">
+        <a:solidFill>
+          <a:schemeClr val="tx1"/>
+        </a:solidFill>
+        <a:latin typeface="+mn-lt"/>
+        <a:ea typeface="+mn-ea"/>
+        <a:cs typeface="+mn-cs"/>
+      </a:defRPr>
+    </a:lvl6pPr>
+    <a:lvl7pPr marL="2743200" algn="l" defTabSz="914400" rtl="0" eaLnBrk="1" latinLnBrk="0" hangingPunct="1">
+      <a:defRPr sz="1200" kern="1200">
+        <a:solidFill>
+          <a:schemeClr val="tx1"/>
+        </a:solidFill>
+        <a:latin typeface="+mn-lt"/>
+        <a:ea typeface="+mn-ea"/>
+        <a:cs typeface="+mn-cs"/>
+      </a:defRPr>
+    </a:lvl7pPr>
+    <a:lvl8pPr marL="3200400" algn="l" defTabSz="914400" rtl="0" eaLnBrk="1" latinLnBrk="0" hangingPunct="1">
+      <a:defRPr sz="1200" kern="1200">
+        <a:solidFill>
+          <a:schemeClr val="tx1"/>
+        </a:solidFill>
+        <a:latin typeface="+mn-lt"/>
+        <a:ea typeface="+mn-ea"/>
+        <a:cs typeface="+mn-cs"/>
+      </a:defRPr>
+    </a:lvl8pPr>
+    <a:lvl9pPr marL="3657600" algn="l" defTabSz="914400" rtl="0" eaLnBrk="1" latinLnBrk="0" hangingPunct="1">
+      <a:defRPr sz="1200" kern="1200">
+        <a:solidFill>
+          <a:schemeClr val="tx1"/>
+        </a:solidFill>
+        <a:latin typeface="+mn-lt"/>
+        <a:ea typeface="+mn-ea"/>
+        <a:cs typeface="+mn-cs"/>
+      </a:defRPr>
+    </a:lvl9pPr>
+  </p:notesStyle>
+</p:notesMaster>
+</file>
+
+<file path=ppt/notesSlides/notesSlide1.xml><?xml version="1.0" encoding="utf-8"?>
+<p:notes xmlns:a="http://schemas.openxmlformats.org/drawingml/2006/main" xmlns:r="http://schemas.openxmlformats.org/officeDocument/2006/relationships" xmlns:p="http://schemas.openxmlformats.org/presentationml/2006/main">
+  <p:cSld>
+    <p:spTree>
+      <p:nvGrpSpPr>
+        <p:cNvPr id="1" name=""/>
+        <p:cNvGrpSpPr/>
+        <p:nvPr/>
+      </p:nvGrpSpPr>
+      <p:grpSpPr>
+        <a:xfrm>
+          <a:off x="0" y="0"/>
+          <a:ext cx="0" cy="0"/>
+          <a:chOff x="0" y="0"/>
+          <a:chExt cx="0" cy="0"/>
+        </a:xfrm>
+      </p:grpSpPr>
+      <p:sp>
+        <p:nvSpPr>
+          <p:cNvPr id="2" name="Slide Image Placeholder 1"/>
+          <p:cNvSpPr>
+            <a:spLocks noGrp="1" noRot="1" noChangeAspect="1"/>
+          </p:cNvSpPr>
+          <p:nvPr>
+            <p:ph type="sldImg"/>
+          </p:nvPr>
+        </p:nvSpPr>
+        <p:spPr/>
+      </p:sp>
+      <p:sp>
+        <p:nvSpPr>
+          <p:cNvPr id="3" name="Notes Placeholder 2"/>
+          <p:cNvSpPr>
+            <a:spLocks noGrp="1"/>
+          </p:cNvSpPr>
+          <p:nvPr>
+            <p:ph type="body" idx="1"/>
+          </p:nvPr>
+        </p:nvSpPr>
+        <p:spPr/>
+        <p:txBody>
+          <a:bodyPr/>
+          <a:lstStyle/>
+          <a:p>
+            <a:endParaRPr lang="en-US" dirty="0"/>
+          </a:p>
+        </p:txBody>
+      </p:sp>
+      <p:sp>
+        <p:nvSpPr>
+          <p:cNvPr id="4" name="Slide Number Placeholder 3"/>
+          <p:cNvSpPr>
+            <a:spLocks noGrp="1"/>
+          </p:cNvSpPr>
+          <p:nvPr>
+            <p:ph type="sldNum" sz="quarter" idx="10"/>
+          </p:nvPr>
+        </p:nvSpPr>
+        <p:spPr/>
+        <p:txBody>
+          <a:bodyPr/>
+          <a:lstStyle/>
+          <a:p>
+            <a:fld id="{B00250B8-0FC9-4A37-BC43-1E1511BB642F}" type="slidenum">
+              <a:rPr lang="en-US" smtClean="0"/>
+              <a:t>6</a:t>
+            </a:fld>
+            <a:endParaRPr lang="en-US"/>
+          </a:p>
+        </p:txBody>
+      </p:sp>
+    </p:spTree>
+    <p:extLst>
+      <p:ext uri="{BB962C8B-B14F-4D97-AF65-F5344CB8AC3E}">
+        <p14:creationId xmlns:p14="http://schemas.microsoft.com/office/powerpoint/2010/main" val="2566995392"/>
+      </p:ext>
+    </p:extLst>
+  </p:cSld>
+  <p:clrMapOvr>
+    <a:masterClrMapping/>
+  </p:clrMapOvr>
+</p:notes>
 </file>
 
 <file path=ppt/slideLayouts/slideLayout1.xml><?xml version="1.0" encoding="utf-8"?>
@@ -408,10 +860,9 @@
           </a:lstStyle>
           <a:p>
             <a:r>
-              <a:rPr kumimoji="0" lang="en-US" smtClean="0"/>
+              <a:rPr kumimoji="0" lang="en-US"/>
               <a:t>Click to edit Master title style</a:t>
             </a:r>
-            <a:endParaRPr kumimoji="0" lang="en-US"/>
           </a:p>
         </p:txBody>
       </p:sp>
@@ -472,10 +923,9 @@
           </a:lstStyle>
           <a:p>
             <a:r>
-              <a:rPr kumimoji="0" lang="en-US" smtClean="0"/>
+              <a:rPr kumimoji="0" lang="en-US"/>
               <a:t>Click to edit Master subtitle style</a:t>
             </a:r>
-            <a:endParaRPr kumimoji="0" lang="en-US"/>
           </a:p>
         </p:txBody>
       </p:sp>
@@ -587,10 +1037,9 @@
           <a:lstStyle/>
           <a:p>
             <a:r>
-              <a:rPr kumimoji="0" lang="en-US" smtClean="0"/>
+              <a:rPr kumimoji="0" lang="en-US"/>
               <a:t>Click to edit Master title style</a:t>
             </a:r>
-            <a:endParaRPr kumimoji="0" lang="en-US"/>
           </a:p>
         </p:txBody>
       </p:sp>
@@ -611,35 +1060,35 @@
           <a:p>
             <a:pPr lvl="0" eaLnBrk="1" latinLnBrk="0" hangingPunct="1"/>
             <a:r>
-              <a:rPr lang="en-US" smtClean="0"/>
+              <a:rPr lang="en-US"/>
               <a:t>Click to edit Master text styles</a:t>
             </a:r>
           </a:p>
           <a:p>
             <a:pPr lvl="1" eaLnBrk="1" latinLnBrk="0" hangingPunct="1"/>
             <a:r>
-              <a:rPr lang="en-US" smtClean="0"/>
+              <a:rPr lang="en-US"/>
               <a:t>Second level</a:t>
             </a:r>
           </a:p>
           <a:p>
             <a:pPr lvl="2" eaLnBrk="1" latinLnBrk="0" hangingPunct="1"/>
             <a:r>
-              <a:rPr lang="en-US" smtClean="0"/>
+              <a:rPr lang="en-US"/>
               <a:t>Third level</a:t>
             </a:r>
           </a:p>
           <a:p>
             <a:pPr lvl="3" eaLnBrk="1" latinLnBrk="0" hangingPunct="1"/>
             <a:r>
-              <a:rPr lang="en-US" smtClean="0"/>
+              <a:rPr lang="en-US"/>
               <a:t>Fourth level</a:t>
             </a:r>
           </a:p>
           <a:p>
             <a:pPr lvl="4" eaLnBrk="1" latinLnBrk="0" hangingPunct="1"/>
             <a:r>
-              <a:rPr lang="en-US" smtClean="0"/>
+              <a:rPr lang="en-US"/>
               <a:t>Fifth level</a:t>
             </a:r>
             <a:endParaRPr kumimoji="0" lang="en-US"/>
@@ -759,10 +1208,9 @@
           <a:lstStyle/>
           <a:p>
             <a:r>
-              <a:rPr kumimoji="0" lang="en-US" smtClean="0"/>
+              <a:rPr kumimoji="0" lang="en-US"/>
               <a:t>Click to edit Master title style</a:t>
             </a:r>
-            <a:endParaRPr kumimoji="0" lang="en-US"/>
           </a:p>
         </p:txBody>
       </p:sp>
@@ -788,35 +1236,35 @@
           <a:p>
             <a:pPr lvl="0" eaLnBrk="1" latinLnBrk="0" hangingPunct="1"/>
             <a:r>
-              <a:rPr lang="en-US" smtClean="0"/>
+              <a:rPr lang="en-US"/>
               <a:t>Click to edit Master text styles</a:t>
             </a:r>
           </a:p>
           <a:p>
             <a:pPr lvl="1" eaLnBrk="1" latinLnBrk="0" hangingPunct="1"/>
             <a:r>
-              <a:rPr lang="en-US" smtClean="0"/>
+              <a:rPr lang="en-US"/>
               <a:t>Second level</a:t>
             </a:r>
           </a:p>
           <a:p>
             <a:pPr lvl="2" eaLnBrk="1" latinLnBrk="0" hangingPunct="1"/>
             <a:r>
-              <a:rPr lang="en-US" smtClean="0"/>
+              <a:rPr lang="en-US"/>
               <a:t>Third level</a:t>
             </a:r>
           </a:p>
           <a:p>
             <a:pPr lvl="3" eaLnBrk="1" latinLnBrk="0" hangingPunct="1"/>
             <a:r>
-              <a:rPr lang="en-US" smtClean="0"/>
+              <a:rPr lang="en-US"/>
               <a:t>Fourth level</a:t>
             </a:r>
           </a:p>
           <a:p>
             <a:pPr lvl="4" eaLnBrk="1" latinLnBrk="0" hangingPunct="1"/>
             <a:r>
-              <a:rPr lang="en-US" smtClean="0"/>
+              <a:rPr lang="en-US"/>
               <a:t>Fifth level</a:t>
             </a:r>
             <a:endParaRPr kumimoji="0" lang="en-US"/>
@@ -935,10 +1383,9 @@
           </a:lstStyle>
           <a:p>
             <a:r>
-              <a:rPr kumimoji="0" lang="en-US" smtClean="0"/>
+              <a:rPr kumimoji="0" lang="en-US"/>
               <a:t>Click to edit Master title style</a:t>
             </a:r>
-            <a:endParaRPr kumimoji="0" lang="en-US"/>
           </a:p>
         </p:txBody>
       </p:sp>
@@ -959,35 +1406,35 @@
           <a:p>
             <a:pPr lvl="0" eaLnBrk="1" latinLnBrk="0" hangingPunct="1"/>
             <a:r>
-              <a:rPr lang="en-US" smtClean="0"/>
+              <a:rPr lang="en-US"/>
               <a:t>Click to edit Master text styles</a:t>
             </a:r>
           </a:p>
           <a:p>
             <a:pPr lvl="1" eaLnBrk="1" latinLnBrk="0" hangingPunct="1"/>
             <a:r>
-              <a:rPr lang="en-US" smtClean="0"/>
+              <a:rPr lang="en-US"/>
               <a:t>Second level</a:t>
             </a:r>
           </a:p>
           <a:p>
             <a:pPr lvl="2" eaLnBrk="1" latinLnBrk="0" hangingPunct="1"/>
             <a:r>
-              <a:rPr lang="en-US" smtClean="0"/>
+              <a:rPr lang="en-US"/>
               <a:t>Third level</a:t>
             </a:r>
           </a:p>
           <a:p>
             <a:pPr lvl="3" eaLnBrk="1" latinLnBrk="0" hangingPunct="1"/>
             <a:r>
-              <a:rPr lang="en-US" smtClean="0"/>
+              <a:rPr lang="en-US"/>
               <a:t>Fourth level</a:t>
             </a:r>
           </a:p>
           <a:p>
             <a:pPr lvl="4" eaLnBrk="1" latinLnBrk="0" hangingPunct="1"/>
             <a:r>
-              <a:rPr lang="en-US" smtClean="0"/>
+              <a:rPr lang="en-US"/>
               <a:t>Fifth level</a:t>
             </a:r>
             <a:endParaRPr kumimoji="0" lang="en-US"/>
@@ -1366,10 +1813,9 @@
           </a:lstStyle>
           <a:p>
             <a:r>
-              <a:rPr kumimoji="0" lang="en-US" smtClean="0"/>
+              <a:rPr kumimoji="0" lang="en-US"/>
               <a:t>Click to edit Master title style</a:t>
             </a:r>
-            <a:endParaRPr kumimoji="0" lang="en-US"/>
           </a:p>
         </p:txBody>
       </p:sp>
@@ -1445,7 +1891,7 @@
           <a:p>
             <a:pPr lvl="0" eaLnBrk="1" latinLnBrk="0" hangingPunct="1"/>
             <a:r>
-              <a:rPr kumimoji="0" lang="en-US" smtClean="0"/>
+              <a:rPr kumimoji="0" lang="en-US"/>
               <a:t>Click to edit Master text styles</a:t>
             </a:r>
           </a:p>
@@ -1564,10 +2010,9 @@
           <a:lstStyle/>
           <a:p>
             <a:r>
-              <a:rPr kumimoji="0" lang="en-US" smtClean="0"/>
+              <a:rPr kumimoji="0" lang="en-US"/>
               <a:t>Click to edit Master title style</a:t>
             </a:r>
-            <a:endParaRPr kumimoji="0" lang="en-US"/>
           </a:p>
         </p:txBody>
       </p:sp>
@@ -1609,35 +2054,35 @@
           <a:p>
             <a:pPr lvl="0" eaLnBrk="1" latinLnBrk="0" hangingPunct="1"/>
             <a:r>
-              <a:rPr lang="en-US" smtClean="0"/>
+              <a:rPr lang="en-US"/>
               <a:t>Click to edit Master text styles</a:t>
             </a:r>
           </a:p>
           <a:p>
             <a:pPr lvl="1" eaLnBrk="1" latinLnBrk="0" hangingPunct="1"/>
             <a:r>
-              <a:rPr lang="en-US" smtClean="0"/>
+              <a:rPr lang="en-US"/>
               <a:t>Second level</a:t>
             </a:r>
           </a:p>
           <a:p>
             <a:pPr lvl="2" eaLnBrk="1" latinLnBrk="0" hangingPunct="1"/>
             <a:r>
-              <a:rPr lang="en-US" smtClean="0"/>
+              <a:rPr lang="en-US"/>
               <a:t>Third level</a:t>
             </a:r>
           </a:p>
           <a:p>
             <a:pPr lvl="3" eaLnBrk="1" latinLnBrk="0" hangingPunct="1"/>
             <a:r>
-              <a:rPr lang="en-US" smtClean="0"/>
+              <a:rPr lang="en-US"/>
               <a:t>Fourth level</a:t>
             </a:r>
           </a:p>
           <a:p>
             <a:pPr lvl="4" eaLnBrk="1" latinLnBrk="0" hangingPunct="1"/>
             <a:r>
-              <a:rPr lang="en-US" smtClean="0"/>
+              <a:rPr lang="en-US"/>
               <a:t>Fifth level</a:t>
             </a:r>
             <a:endParaRPr kumimoji="0" lang="en-US"/>
@@ -1682,35 +2127,35 @@
           <a:p>
             <a:pPr lvl="0" eaLnBrk="1" latinLnBrk="0" hangingPunct="1"/>
             <a:r>
-              <a:rPr lang="en-US" smtClean="0"/>
+              <a:rPr lang="en-US"/>
               <a:t>Click to edit Master text styles</a:t>
             </a:r>
           </a:p>
           <a:p>
             <a:pPr lvl="1" eaLnBrk="1" latinLnBrk="0" hangingPunct="1"/>
             <a:r>
-              <a:rPr lang="en-US" smtClean="0"/>
+              <a:rPr lang="en-US"/>
               <a:t>Second level</a:t>
             </a:r>
           </a:p>
           <a:p>
             <a:pPr lvl="2" eaLnBrk="1" latinLnBrk="0" hangingPunct="1"/>
             <a:r>
-              <a:rPr lang="en-US" smtClean="0"/>
+              <a:rPr lang="en-US"/>
               <a:t>Third level</a:t>
             </a:r>
           </a:p>
           <a:p>
             <a:pPr lvl="3" eaLnBrk="1" latinLnBrk="0" hangingPunct="1"/>
             <a:r>
-              <a:rPr lang="en-US" smtClean="0"/>
+              <a:rPr lang="en-US"/>
               <a:t>Fourth level</a:t>
             </a:r>
           </a:p>
           <a:p>
             <a:pPr lvl="4" eaLnBrk="1" latinLnBrk="0" hangingPunct="1"/>
             <a:r>
-              <a:rPr lang="en-US" smtClean="0"/>
+              <a:rPr lang="en-US"/>
               <a:t>Fifth level</a:t>
             </a:r>
             <a:endParaRPr kumimoji="0" lang="en-US"/>
@@ -1834,10 +2279,9 @@
           </a:lstStyle>
           <a:p>
             <a:r>
-              <a:rPr kumimoji="0" lang="en-US" smtClean="0"/>
+              <a:rPr kumimoji="0" lang="en-US"/>
               <a:t>Click to edit Master title style</a:t>
             </a:r>
-            <a:endParaRPr kumimoji="0" lang="en-US"/>
           </a:p>
         </p:txBody>
       </p:sp>
@@ -1888,7 +2332,7 @@
           <a:p>
             <a:pPr lvl="0" eaLnBrk="1" latinLnBrk="0" hangingPunct="1"/>
             <a:r>
-              <a:rPr kumimoji="0" lang="en-US" smtClean="0"/>
+              <a:rPr kumimoji="0" lang="en-US"/>
               <a:t>Click to edit Master text styles</a:t>
             </a:r>
           </a:p>
@@ -1941,7 +2385,7 @@
           <a:p>
             <a:pPr lvl="0" eaLnBrk="1" latinLnBrk="0" hangingPunct="1"/>
             <a:r>
-              <a:rPr kumimoji="0" lang="en-US" smtClean="0"/>
+              <a:rPr kumimoji="0" lang="en-US"/>
               <a:t>Click to edit Master text styles</a:t>
             </a:r>
           </a:p>
@@ -1985,35 +2429,35 @@
           <a:p>
             <a:pPr lvl="0" eaLnBrk="1" latinLnBrk="0" hangingPunct="1"/>
             <a:r>
-              <a:rPr lang="en-US" smtClean="0"/>
+              <a:rPr lang="en-US"/>
               <a:t>Click to edit Master text styles</a:t>
             </a:r>
           </a:p>
           <a:p>
             <a:pPr lvl="1" eaLnBrk="1" latinLnBrk="0" hangingPunct="1"/>
             <a:r>
-              <a:rPr lang="en-US" smtClean="0"/>
+              <a:rPr lang="en-US"/>
               <a:t>Second level</a:t>
             </a:r>
           </a:p>
           <a:p>
             <a:pPr lvl="2" eaLnBrk="1" latinLnBrk="0" hangingPunct="1"/>
             <a:r>
-              <a:rPr lang="en-US" smtClean="0"/>
+              <a:rPr lang="en-US"/>
               <a:t>Third level</a:t>
             </a:r>
           </a:p>
           <a:p>
             <a:pPr lvl="3" eaLnBrk="1" latinLnBrk="0" hangingPunct="1"/>
             <a:r>
-              <a:rPr lang="en-US" smtClean="0"/>
+              <a:rPr lang="en-US"/>
               <a:t>Fourth level</a:t>
             </a:r>
           </a:p>
           <a:p>
             <a:pPr lvl="4" eaLnBrk="1" latinLnBrk="0" hangingPunct="1"/>
             <a:r>
-              <a:rPr lang="en-US" smtClean="0"/>
+              <a:rPr lang="en-US"/>
               <a:t>Fifth level</a:t>
             </a:r>
             <a:endParaRPr kumimoji="0" lang="en-US"/>
@@ -2058,35 +2502,35 @@
           <a:p>
             <a:pPr lvl="0" eaLnBrk="1" latinLnBrk="0" hangingPunct="1"/>
             <a:r>
-              <a:rPr lang="en-US" smtClean="0"/>
+              <a:rPr lang="en-US"/>
               <a:t>Click to edit Master text styles</a:t>
             </a:r>
           </a:p>
           <a:p>
             <a:pPr lvl="1" eaLnBrk="1" latinLnBrk="0" hangingPunct="1"/>
             <a:r>
-              <a:rPr lang="en-US" smtClean="0"/>
+              <a:rPr lang="en-US"/>
               <a:t>Second level</a:t>
             </a:r>
           </a:p>
           <a:p>
             <a:pPr lvl="2" eaLnBrk="1" latinLnBrk="0" hangingPunct="1"/>
             <a:r>
-              <a:rPr lang="en-US" smtClean="0"/>
+              <a:rPr lang="en-US"/>
               <a:t>Third level</a:t>
             </a:r>
           </a:p>
           <a:p>
             <a:pPr lvl="3" eaLnBrk="1" latinLnBrk="0" hangingPunct="1"/>
             <a:r>
-              <a:rPr lang="en-US" smtClean="0"/>
+              <a:rPr lang="en-US"/>
               <a:t>Fourth level</a:t>
             </a:r>
           </a:p>
           <a:p>
             <a:pPr lvl="4" eaLnBrk="1" latinLnBrk="0" hangingPunct="1"/>
             <a:r>
-              <a:rPr lang="en-US" smtClean="0"/>
+              <a:rPr lang="en-US"/>
               <a:t>Fifth level</a:t>
             </a:r>
             <a:endParaRPr kumimoji="0" lang="en-US"/>
@@ -2210,10 +2654,9 @@
           </a:lstStyle>
           <a:p>
             <a:r>
-              <a:rPr kumimoji="0" lang="en-US" smtClean="0"/>
+              <a:rPr kumimoji="0" lang="en-US"/>
               <a:t>Click to edit Master title style</a:t>
             </a:r>
-            <a:endParaRPr kumimoji="0" lang="en-US"/>
           </a:p>
         </p:txBody>
       </p:sp>
@@ -2431,10 +2874,9 @@
           </a:lstStyle>
           <a:p>
             <a:r>
-              <a:rPr kumimoji="0" lang="en-US" smtClean="0"/>
+              <a:rPr kumimoji="0" lang="en-US"/>
               <a:t>Click to edit Master title style</a:t>
             </a:r>
-            <a:endParaRPr kumimoji="0" lang="en-US"/>
           </a:p>
         </p:txBody>
       </p:sp>
@@ -2481,7 +2923,7 @@
           <a:p>
             <a:pPr lvl="0" eaLnBrk="1" latinLnBrk="0" hangingPunct="1"/>
             <a:r>
-              <a:rPr kumimoji="0" lang="en-US" smtClean="0"/>
+              <a:rPr kumimoji="0" lang="en-US"/>
               <a:t>Click to edit Master text styles</a:t>
             </a:r>
           </a:p>
@@ -2525,35 +2967,35 @@
           <a:p>
             <a:pPr lvl="0" eaLnBrk="1" latinLnBrk="0" hangingPunct="1"/>
             <a:r>
-              <a:rPr lang="en-US" smtClean="0"/>
+              <a:rPr lang="en-US"/>
               <a:t>Click to edit Master text styles</a:t>
             </a:r>
           </a:p>
           <a:p>
             <a:pPr lvl="1" eaLnBrk="1" latinLnBrk="0" hangingPunct="1"/>
             <a:r>
-              <a:rPr lang="en-US" smtClean="0"/>
+              <a:rPr lang="en-US"/>
               <a:t>Second level</a:t>
             </a:r>
           </a:p>
           <a:p>
             <a:pPr lvl="2" eaLnBrk="1" latinLnBrk="0" hangingPunct="1"/>
             <a:r>
-              <a:rPr lang="en-US" smtClean="0"/>
+              <a:rPr lang="en-US"/>
               <a:t>Third level</a:t>
             </a:r>
           </a:p>
           <a:p>
             <a:pPr lvl="3" eaLnBrk="1" latinLnBrk="0" hangingPunct="1"/>
             <a:r>
-              <a:rPr lang="en-US" smtClean="0"/>
+              <a:rPr lang="en-US"/>
               <a:t>Fourth level</a:t>
             </a:r>
           </a:p>
           <a:p>
             <a:pPr lvl="4" eaLnBrk="1" latinLnBrk="0" hangingPunct="1"/>
             <a:r>
-              <a:rPr lang="en-US" smtClean="0"/>
+              <a:rPr lang="en-US"/>
               <a:t>Fifth level</a:t>
             </a:r>
             <a:endParaRPr kumimoji="0" lang="en-US"/>
@@ -2687,10 +3129,9 @@
           </a:lstStyle>
           <a:p>
             <a:r>
-              <a:rPr kumimoji="0" lang="en-US" smtClean="0"/>
+              <a:rPr kumimoji="0" lang="en-US"/>
               <a:t>Click to edit Master title style</a:t>
             </a:r>
-            <a:endParaRPr kumimoji="0" lang="en-US"/>
           </a:p>
         </p:txBody>
       </p:sp>
@@ -2755,7 +3196,7 @@
           </a:lstStyle>
           <a:p>
             <a:r>
-              <a:rPr kumimoji="0" lang="en-US" smtClean="0"/>
+              <a:rPr kumimoji="0" lang="en-US"/>
               <a:t>Click icon to add picture</a:t>
             </a:r>
             <a:endParaRPr kumimoji="0" lang="en-US" dirty="0"/>
@@ -2810,7 +3251,7 @@
           <a:p>
             <a:pPr lvl="0" eaLnBrk="1" latinLnBrk="0" hangingPunct="1"/>
             <a:r>
-              <a:rPr kumimoji="0" lang="en-US" smtClean="0"/>
+              <a:rPr kumimoji="0" lang="en-US"/>
               <a:t>Click to edit Master text styles</a:t>
             </a:r>
           </a:p>
@@ -3140,10 +3581,9 @@
           <a:lstStyle/>
           <a:p>
             <a:r>
-              <a:rPr kumimoji="0" lang="en-US" smtClean="0"/>
+              <a:rPr kumimoji="0" lang="en-US"/>
               <a:t>Click to edit Master title style</a:t>
             </a:r>
-            <a:endParaRPr kumimoji="0" lang="en-US"/>
           </a:p>
         </p:txBody>
       </p:sp>
@@ -3174,38 +3614,37 @@
           <a:p>
             <a:pPr lvl="0" eaLnBrk="1" latinLnBrk="0" hangingPunct="1"/>
             <a:r>
-              <a:rPr kumimoji="0" lang="en-US" smtClean="0"/>
+              <a:rPr kumimoji="0" lang="en-US"/>
               <a:t>Click to edit Master text styles</a:t>
             </a:r>
           </a:p>
           <a:p>
             <a:pPr lvl="1" eaLnBrk="1" latinLnBrk="0" hangingPunct="1"/>
             <a:r>
-              <a:rPr kumimoji="0" lang="en-US" smtClean="0"/>
+              <a:rPr kumimoji="0" lang="en-US"/>
               <a:t>Second level</a:t>
             </a:r>
           </a:p>
           <a:p>
             <a:pPr lvl="2" eaLnBrk="1" latinLnBrk="0" hangingPunct="1"/>
             <a:r>
-              <a:rPr kumimoji="0" lang="en-US" smtClean="0"/>
+              <a:rPr kumimoji="0" lang="en-US"/>
               <a:t>Third level</a:t>
             </a:r>
           </a:p>
           <a:p>
             <a:pPr lvl="3" eaLnBrk="1" latinLnBrk="0" hangingPunct="1"/>
             <a:r>
-              <a:rPr kumimoji="0" lang="en-US" smtClean="0"/>
+              <a:rPr kumimoji="0" lang="en-US"/>
               <a:t>Fourth level</a:t>
             </a:r>
           </a:p>
           <a:p>
             <a:pPr lvl="4" eaLnBrk="1" latinLnBrk="0" hangingPunct="1"/>
             <a:r>
-              <a:rPr kumimoji="0" lang="en-US" smtClean="0"/>
+              <a:rPr kumimoji="0" lang="en-US"/>
               <a:t>Fifth level</a:t>
             </a:r>
-            <a:endParaRPr kumimoji="0" lang="en-US"/>
           </a:p>
         </p:txBody>
       </p:sp>
@@ -3672,46 +4111,30 @@
           <a:lstStyle/>
           <a:p>
             <a:r>
-              <a:rPr lang="en-US" sz="3200" dirty="0" smtClean="0"/>
+              <a:rPr lang="en-US" sz="3200" dirty="0"/>
               <a:t>UMKC HACKATHON SPRING 2017</a:t>
             </a:r>
-            <a:r>
-              <a:rPr lang="en-US" dirty="0" smtClean="0"/>
-              <a:t/>
-            </a:r>
             <a:br>
-              <a:rPr lang="en-US" dirty="0" smtClean="0"/>
+              <a:rPr lang="en-US" dirty="0"/>
             </a:br>
             <a:r>
-              <a:rPr lang="en-US" sz="2400" dirty="0" smtClean="0">
+              <a:rPr lang="en-US" sz="2400" dirty="0">
                 <a:latin typeface="+mn-lt"/>
               </a:rPr>
               <a:t>Use Case U13: Food game</a:t>
             </a:r>
-            <a:r>
-              <a:rPr lang="en-US" sz="2000" dirty="0" smtClean="0">
-                <a:latin typeface="+mn-lt"/>
-              </a:rPr>
-              <a:t/>
-            </a:r>
             <a:br>
-              <a:rPr lang="en-US" sz="2000" dirty="0" smtClean="0">
+              <a:rPr lang="en-US" sz="2000" dirty="0">
                 <a:latin typeface="+mn-lt"/>
               </a:rPr>
             </a:br>
-            <a:r>
-              <a:rPr lang="en-US" sz="2000" dirty="0" smtClean="0">
-                <a:latin typeface="+mn-lt"/>
-              </a:rPr>
-              <a:t/>
-            </a:r>
             <a:br>
-              <a:rPr lang="en-US" sz="2000" dirty="0" smtClean="0">
+              <a:rPr lang="en-US" sz="2000" dirty="0">
                 <a:latin typeface="+mn-lt"/>
               </a:rPr>
             </a:br>
             <a:r>
-              <a:rPr lang="en-US" sz="1800" dirty="0" smtClean="0">
+              <a:rPr lang="en-US" sz="1800" dirty="0">
                 <a:solidFill>
                   <a:schemeClr val="tx1"/>
                 </a:solidFill>
@@ -3721,7 +4144,7 @@
               <a:t>CODE CRUNCHERS: </a:t>
             </a:r>
             <a:r>
-              <a:rPr lang="en-US" sz="1800" dirty="0" err="1" smtClean="0">
+              <a:rPr lang="en-US" sz="1800" dirty="0" err="1">
                 <a:solidFill>
                   <a:schemeClr val="tx1"/>
                 </a:solidFill>
@@ -3731,7 +4154,7 @@
               <a:t>Sandeep</a:t>
             </a:r>
             <a:r>
-              <a:rPr lang="en-US" sz="1800" dirty="0" smtClean="0">
+              <a:rPr lang="en-US" sz="1800" dirty="0">
                 <a:solidFill>
                   <a:schemeClr val="tx1"/>
                 </a:solidFill>
@@ -3741,7 +4164,7 @@
               <a:t> </a:t>
             </a:r>
             <a:r>
-              <a:rPr lang="en-US" sz="1800" dirty="0" err="1" smtClean="0">
+              <a:rPr lang="en-US" sz="1800" dirty="0" err="1">
                 <a:solidFill>
                   <a:schemeClr val="tx1"/>
                 </a:solidFill>
@@ -3751,7 +4174,7 @@
               <a:t>pabolu</a:t>
             </a:r>
             <a:r>
-              <a:rPr lang="en-US" sz="1800" dirty="0" smtClean="0">
+              <a:rPr lang="en-US" sz="1800" dirty="0">
                 <a:solidFill>
                   <a:schemeClr val="tx1"/>
                 </a:solidFill>
@@ -3761,7 +4184,7 @@
               <a:t>, Jackie Batson, </a:t>
             </a:r>
             <a:r>
-              <a:rPr lang="en-US" sz="1800" dirty="0" err="1" smtClean="0">
+              <a:rPr lang="en-US" sz="1800" dirty="0" err="1">
                 <a:solidFill>
                   <a:schemeClr val="tx1"/>
                 </a:solidFill>
@@ -3771,7 +4194,7 @@
               <a:t>nancy</a:t>
             </a:r>
             <a:r>
-              <a:rPr lang="en-US" sz="1800" dirty="0" smtClean="0">
+              <a:rPr lang="en-US" sz="1800" dirty="0">
                 <a:solidFill>
                   <a:schemeClr val="tx1"/>
                 </a:solidFill>
@@ -3781,7 +4204,7 @@
               <a:t> </a:t>
             </a:r>
             <a:r>
-              <a:rPr lang="en-US" sz="1800" dirty="0" err="1" smtClean="0">
+              <a:rPr lang="en-US" sz="1800" dirty="0" err="1">
                 <a:solidFill>
                   <a:schemeClr val="tx1"/>
                 </a:solidFill>
@@ -3791,7 +4214,7 @@
               <a:t>YANg</a:t>
             </a:r>
             <a:r>
-              <a:rPr lang="en-US" sz="1800" dirty="0" smtClean="0">
+              <a:rPr lang="en-US" sz="1800" dirty="0">
                 <a:solidFill>
                   <a:schemeClr val="tx1"/>
                 </a:solidFill>
@@ -3801,7 +4224,7 @@
               <a:t>, AKHILA </a:t>
             </a:r>
             <a:r>
-              <a:rPr lang="en-US" sz="1800" dirty="0" err="1" smtClean="0">
+              <a:rPr lang="en-US" sz="1800" dirty="0" err="1">
                 <a:solidFill>
                   <a:schemeClr val="tx1"/>
                 </a:solidFill>
@@ -3857,10 +4280,9 @@
           <a:lstStyle/>
           <a:p>
             <a:r>
-              <a:rPr lang="en-US" dirty="0" smtClean="0"/>
+              <a:rPr lang="en-US" dirty="0"/>
               <a:t>Use Case U13: Food Game</a:t>
             </a:r>
-            <a:endParaRPr lang="en-US" dirty="0"/>
           </a:p>
         </p:txBody>
       </p:sp>
@@ -3890,7 +4312,7 @@
               <a:buNone/>
             </a:pPr>
             <a:r>
-              <a:rPr lang="en-US" dirty="0" smtClean="0"/>
+              <a:rPr lang="en-US" dirty="0"/>
               <a:t>The goal of the use case is to create an application that classifies foods based on images.</a:t>
             </a:r>
           </a:p>
@@ -3899,7 +4321,7 @@
               <a:buNone/>
             </a:pPr>
             <a:r>
-              <a:rPr lang="en-US" dirty="0" smtClean="0"/>
+              <a:rPr lang="en-US" dirty="0"/>
               <a:t>An image is submitted by the user for analysis.  The user is then given the name of the food, the number of calories, a nutritional breakdown, and whether the food is healthy or not.</a:t>
             </a:r>
           </a:p>
@@ -3908,10 +4330,9 @@
               <a:buNone/>
             </a:pPr>
             <a:r>
-              <a:rPr lang="en-US" dirty="0" smtClean="0"/>
+              <a:rPr lang="en-US" dirty="0"/>
               <a:t>If reviews are available for the food, then reviews are given along with a sentiment analysis that assigns a review score of 1 to 5 for the food.</a:t>
             </a:r>
-            <a:endParaRPr lang="en-US" dirty="0"/>
           </a:p>
         </p:txBody>
       </p:sp>
@@ -3958,19 +4379,19 @@
           <a:lstStyle/>
           <a:p>
             <a:r>
-              <a:rPr lang="en-US" dirty="0" smtClean="0"/>
+              <a:rPr lang="en-US" dirty="0"/>
               <a:t>User Interface Design by </a:t>
             </a:r>
             <a:r>
-              <a:rPr lang="en-US" dirty="0" err="1" smtClean="0"/>
+              <a:rPr lang="en-US" dirty="0" err="1"/>
               <a:t>Sandeep</a:t>
             </a:r>
             <a:r>
-              <a:rPr lang="en-US" dirty="0" smtClean="0"/>
+              <a:rPr lang="en-US" dirty="0"/>
               <a:t> </a:t>
             </a:r>
             <a:r>
-              <a:rPr lang="en-US" dirty="0" err="1" smtClean="0"/>
+              <a:rPr lang="en-US" dirty="0" err="1"/>
               <a:t>Pabolu</a:t>
             </a:r>
             <a:endParaRPr lang="en-US" dirty="0"/>
@@ -4044,10 +4465,9 @@
           <a:lstStyle/>
           <a:p>
             <a:r>
-              <a:rPr lang="en-US" dirty="0" smtClean="0"/>
+              <a:rPr lang="en-US" dirty="0"/>
               <a:t>Image Analysis by Nancy Yang</a:t>
             </a:r>
-            <a:endParaRPr lang="en-US" dirty="0"/>
           </a:p>
         </p:txBody>
       </p:sp>
@@ -4072,50 +4492,42 @@
           <a:lstStyle/>
           <a:p>
             <a:r>
-              <a:rPr lang="en-US" dirty="0" smtClean="0"/>
+              <a:rPr lang="en-US" dirty="0"/>
               <a:t>Created 3 food categories (due to training time limitation): hamburger, salad, and sub (submarine sandwich)</a:t>
             </a:r>
           </a:p>
           <a:p>
             <a:r>
-              <a:rPr lang="en-US" dirty="0" smtClean="0"/>
+              <a:rPr lang="en-US" dirty="0"/>
               <a:t>Used </a:t>
             </a:r>
             <a:r>
-              <a:rPr lang="en-US" dirty="0" err="1" smtClean="0"/>
+              <a:rPr lang="en-US" dirty="0" err="1"/>
               <a:t>TensorFlow</a:t>
             </a:r>
             <a:r>
-              <a:rPr lang="en-US" dirty="0" smtClean="0"/>
+              <a:rPr lang="en-US" dirty="0"/>
               <a:t> google inception model. Trained last layer and got the bottleneck data.</a:t>
             </a:r>
           </a:p>
           <a:p>
             <a:r>
-              <a:rPr lang="en-US" dirty="0" smtClean="0"/>
+              <a:rPr lang="en-US" dirty="0"/>
               <a:t>Left picture: </a:t>
             </a:r>
             <a:r>
-              <a:rPr lang="en-US" dirty="0" err="1" smtClean="0"/>
+              <a:rPr lang="en-US" dirty="0" err="1"/>
               <a:t>Tensorflow</a:t>
             </a:r>
             <a:r>
-              <a:rPr lang="en-US" dirty="0" smtClean="0"/>
+              <a:rPr lang="en-US" dirty="0"/>
               <a:t> testing result with accuracy 98%. Right: testing image.</a:t>
             </a:r>
           </a:p>
           <a:p>
             <a:r>
-              <a:rPr lang="en-US" dirty="0" smtClean="0"/>
-              <a:t>Dataset: </a:t>
-            </a:r>
-            <a:r>
               <a:rPr lang="en-US" dirty="0"/>
-              <a:t>Pittsburgh Fast-Food Image </a:t>
-            </a:r>
-            <a:r>
-              <a:rPr lang="en-US" dirty="0" smtClean="0"/>
-              <a:t>Dataset.</a:t>
+              <a:t>Dataset: Pittsburgh Fast-Food Image Dataset.</a:t>
             </a:r>
           </a:p>
           <a:p>
@@ -4138,7 +4550,7 @@
           <a:blip r:embed="rId2" cstate="print">
             <a:extLst>
               <a:ext uri="{28A0092B-C50C-407E-A947-70E740481C1C}">
-                <a14:useLocalDpi xmlns="" xmlns:a14="http://schemas.microsoft.com/office/drawing/2010/main" val="0"/>
+                <a14:useLocalDpi xmlns:a14="http://schemas.microsoft.com/office/drawing/2010/main" val="0"/>
               </a:ext>
             </a:extLst>
           </a:blip>
@@ -4159,14 +4571,14 @@
           </a:ln>
           <a:extLst>
             <a:ext uri="{909E8E84-426E-40DD-AFC4-6F175D3DCCD1}">
-              <a14:hiddenFill xmlns="" xmlns:a14="http://schemas.microsoft.com/office/drawing/2010/main">
+              <a14:hiddenFill xmlns:a14="http://schemas.microsoft.com/office/drawing/2010/main">
                 <a:solidFill>
                   <a:schemeClr val="accent1"/>
                 </a:solidFill>
               </a14:hiddenFill>
             </a:ext>
             <a:ext uri="{91240B29-F687-4F45-9708-019B960494DF}">
-              <a14:hiddenLine xmlns="" xmlns:a14="http://schemas.microsoft.com/office/drawing/2010/main" w="9525">
+              <a14:hiddenLine xmlns:a14="http://schemas.microsoft.com/office/drawing/2010/main" w="9525">
                 <a:solidFill>
                   <a:schemeClr val="tx1"/>
                 </a:solidFill>
@@ -4190,7 +4602,7 @@
           <a:blip r:embed="rId3" cstate="print">
             <a:extLst>
               <a:ext uri="{28A0092B-C50C-407E-A947-70E740481C1C}">
-                <a14:useLocalDpi xmlns="" xmlns:a14="http://schemas.microsoft.com/office/drawing/2010/main" val="0"/>
+                <a14:useLocalDpi xmlns:a14="http://schemas.microsoft.com/office/drawing/2010/main" val="0"/>
               </a:ext>
             </a:extLst>
           </a:blip>
@@ -4213,14 +4625,14 @@
           </a:ln>
           <a:extLst>
             <a:ext uri="{909E8E84-426E-40DD-AFC4-6F175D3DCCD1}">
-              <a14:hiddenFill xmlns="" xmlns:a14="http://schemas.microsoft.com/office/drawing/2010/main">
+              <a14:hiddenFill xmlns:a14="http://schemas.microsoft.com/office/drawing/2010/main">
                 <a:solidFill>
                   <a:schemeClr val="accent1"/>
                 </a:solidFill>
               </a14:hiddenFill>
             </a:ext>
             <a:ext uri="{91240B29-F687-4F45-9708-019B960494DF}">
-              <a14:hiddenLine xmlns="" xmlns:a14="http://schemas.microsoft.com/office/drawing/2010/main" w="9525">
+              <a14:hiddenLine xmlns:a14="http://schemas.microsoft.com/office/drawing/2010/main" w="9525">
                 <a:solidFill>
                   <a:schemeClr val="tx1"/>
                 </a:solidFill>
@@ -4255,14 +4667,14 @@
           <a:effectLst/>
           <a:extLst>
             <a:ext uri="{909E8E84-426E-40DD-AFC4-6F175D3DCCD1}">
-              <a14:hiddenFill xmlns="" xmlns:a14="http://schemas.microsoft.com/office/drawing/2010/main">
+              <a14:hiddenFill xmlns:a14="http://schemas.microsoft.com/office/drawing/2010/main">
                 <a:solidFill>
                   <a:schemeClr val="accent1"/>
                 </a:solidFill>
               </a14:hiddenFill>
             </a:ext>
             <a:ext uri="{91240B29-F687-4F45-9708-019B960494DF}">
-              <a14:hiddenLine xmlns="" xmlns:a14="http://schemas.microsoft.com/office/drawing/2010/main" w="9525">
+              <a14:hiddenLine xmlns:a14="http://schemas.microsoft.com/office/drawing/2010/main" w="9525">
                 <a:solidFill>
                   <a:schemeClr val="tx1"/>
                 </a:solidFill>
@@ -4272,7 +4684,7 @@
               </a14:hiddenLine>
             </a:ext>
             <a:ext uri="{AF507438-7753-43E0-B8FC-AC1667EBCBE1}">
-              <a14:hiddenEffects xmlns="" xmlns:a14="http://schemas.microsoft.com/office/drawing/2010/main">
+              <a14:hiddenEffects xmlns:a14="http://schemas.microsoft.com/office/drawing/2010/main">
                 <a:effectLst>
                   <a:outerShdw dist="35921" dir="2700000" algn="ctr" rotWithShape="0">
                     <a:schemeClr val="bg2"/>
@@ -4308,7 +4720,7 @@
               <a:tabLst/>
             </a:pPr>
             <a:r>
-              <a:rPr kumimoji="0" lang="en-US" altLang="en-US" sz="1100" b="0" i="0" u="none" strike="noStrike" cap="none" normalizeH="0" baseline="0" smtClean="0">
+              <a:rPr kumimoji="0" lang="en-US" altLang="en-US" sz="1100" b="0" i="0" u="none" strike="noStrike" cap="none" normalizeH="0" baseline="0">
                 <a:ln>
                   <a:noFill/>
                 </a:ln>
@@ -4323,7 +4735,7 @@
               <a:t>Pittsburgh Fast-Food Image Dataset</a:t>
             </a:r>
             <a:r>
-              <a:rPr kumimoji="0" lang="en-US" altLang="en-US" sz="700" b="0" i="0" u="none" strike="noStrike" cap="none" normalizeH="0" baseline="0" smtClean="0">
+              <a:rPr kumimoji="0" lang="en-US" altLang="en-US" sz="700" b="0" i="0" u="none" strike="noStrike" cap="none" normalizeH="0" baseline="0">
                 <a:ln>
                   <a:noFill/>
                 </a:ln>
@@ -4336,7 +4748,7 @@
               </a:rPr>
               <a:t> </a:t>
             </a:r>
-            <a:endParaRPr kumimoji="0" lang="en-US" altLang="en-US" sz="1800" b="0" i="0" u="none" strike="noStrike" cap="none" normalizeH="0" baseline="0" smtClean="0">
+            <a:endParaRPr kumimoji="0" lang="en-US" altLang="en-US" sz="1800" b="0" i="0" u="none" strike="noStrike" cap="none" normalizeH="0" baseline="0">
               <a:ln>
                 <a:noFill/>
               </a:ln>
@@ -4398,10 +4810,9 @@
           <a:lstStyle/>
           <a:p>
             <a:r>
-              <a:rPr lang="en-US" sz="3200" dirty="0" smtClean="0"/>
+              <a:rPr lang="en-US" sz="3200" dirty="0"/>
               <a:t>Nutrition Analysis by Jackie Batson</a:t>
             </a:r>
-            <a:endParaRPr lang="en-US" sz="3200" dirty="0"/>
           </a:p>
         </p:txBody>
       </p:sp>
@@ -4429,15 +4840,15 @@
               <a:buNone/>
             </a:pPr>
             <a:r>
-              <a:rPr lang="en-US" sz="1600" dirty="0" smtClean="0"/>
+              <a:rPr lang="en-US" sz="1600" dirty="0"/>
               <a:t>This analysis begins after the user’s image has been identified by the </a:t>
             </a:r>
             <a:r>
-              <a:rPr lang="en-US" sz="1600" dirty="0" err="1" smtClean="0"/>
+              <a:rPr lang="en-US" sz="1600" dirty="0" err="1"/>
               <a:t>TensorFlow</a:t>
             </a:r>
             <a:r>
-              <a:rPr lang="en-US" sz="1600" dirty="0" smtClean="0"/>
+              <a:rPr lang="en-US" sz="1600" dirty="0"/>
               <a:t> model.  It assumes that we have a string name for the food, e.g. “cheeseburger”, from the model.  I subbed in example strings before image classification was done.  Here are some examples:</a:t>
             </a:r>
           </a:p>
@@ -4445,13 +4856,13 @@
             <a:pPr>
               <a:buNone/>
             </a:pPr>
-            <a:endParaRPr lang="en-US" sz="1800" dirty="0" smtClean="0"/>
+            <a:endParaRPr lang="en-US" sz="1800" dirty="0"/>
           </a:p>
           <a:p>
             <a:pPr>
               <a:buNone/>
             </a:pPr>
-            <a:endParaRPr lang="en-US" sz="1800" dirty="0" smtClean="0"/>
+            <a:endParaRPr lang="en-US" sz="1800" dirty="0"/>
           </a:p>
           <a:p>
             <a:pPr>
@@ -4532,26 +4943,25 @@
           <a:lstStyle/>
           <a:p>
             <a:r>
-              <a:rPr lang="en-US" sz="1400" dirty="0" smtClean="0"/>
+              <a:rPr lang="en-US" sz="1400" dirty="0"/>
               <a:t>On the left, the input from the food classification output is “apple”, shown at the top.  A nutritional breakdown, including calories, is then shown, powered by the </a:t>
             </a:r>
             <a:r>
-              <a:rPr lang="en-US" sz="1400" dirty="0" err="1" smtClean="0"/>
+              <a:rPr lang="en-US" sz="1400" dirty="0" err="1"/>
               <a:t>Nutritionix</a:t>
             </a:r>
             <a:r>
-              <a:rPr lang="en-US" sz="1400" dirty="0" smtClean="0"/>
+              <a:rPr lang="en-US" sz="1400" dirty="0"/>
               <a:t> API.  I then analyzed the nutritional results, anything less than 5% daily value is low and greater than 20% </a:t>
             </a:r>
             <a:r>
-              <a:rPr lang="en-US" sz="1400" dirty="0" err="1" smtClean="0"/>
+              <a:rPr lang="en-US" sz="1400" dirty="0" err="1"/>
               <a:t>dv</a:t>
             </a:r>
             <a:r>
-              <a:rPr lang="en-US" sz="1400" dirty="0" smtClean="0"/>
+              <a:rPr lang="en-US" sz="1400" dirty="0"/>
               <a:t> is high.  Healthy foods are high in vitamins, calcium, and fiber and low in saturated fats, cholesterol, and sodium.  I decided that if a food had at least two healthy traits and more healthy than unhealthy traits, it is a healthy food.  If it has two or more unhealthy traits and more unhealthy than healthy traits, it is a junk food.  Otherwise, it is a neutral food.  On the right, we see the same results for “doughnut”.</a:t>
             </a:r>
-            <a:endParaRPr lang="en-US" sz="1400" dirty="0"/>
           </a:p>
         </p:txBody>
       </p:sp>
@@ -4598,41 +5008,117 @@
           <a:lstStyle/>
           <a:p>
             <a:r>
-              <a:rPr lang="en-US" dirty="0" smtClean="0"/>
+              <a:rPr lang="en-US" dirty="0"/>
               <a:t>Review Analysis by </a:t>
             </a:r>
             <a:r>
-              <a:rPr lang="en-US" dirty="0" err="1" smtClean="0"/>
+              <a:rPr lang="en-US" dirty="0" err="1"/>
               <a:t>Akhila</a:t>
             </a:r>
             <a:r>
-              <a:rPr lang="en-US" dirty="0" smtClean="0"/>
+              <a:rPr lang="en-US" dirty="0"/>
               <a:t> </a:t>
             </a:r>
             <a:r>
-              <a:rPr lang="en-US" dirty="0" err="1" smtClean="0"/>
+              <a:rPr lang="en-US" dirty="0" err="1"/>
               <a:t>Katta</a:t>
             </a:r>
             <a:endParaRPr lang="en-US" dirty="0"/>
           </a:p>
         </p:txBody>
       </p:sp>
-      <p:sp>
-        <p:nvSpPr>
-          <p:cNvPr id="3" name="Content Placeholder 2"/>
-          <p:cNvSpPr>
-            <a:spLocks noGrp="1"/>
-          </p:cNvSpPr>
+      <p:pic>
+        <p:nvPicPr>
+          <p:cNvPr id="5" name="Content Placeholder 4"/>
+          <p:cNvPicPr>
+            <a:picLocks noGrp="1" noChangeAspect="1"/>
+          </p:cNvPicPr>
           <p:nvPr>
             <p:ph idx="1"/>
           </p:nvPr>
-        </p:nvSpPr>
-        <p:spPr/>
-        <p:txBody>
-          <a:bodyPr/>
-          <a:lstStyle/>
-          <a:p>
-            <a:endParaRPr lang="en-US"/>
+        </p:nvPicPr>
+        <p:blipFill>
+          <a:blip r:embed="rId3" cstate="print">
+            <a:extLst>
+              <a:ext uri="{28A0092B-C50C-407E-A947-70E740481C1C}">
+                <a14:useLocalDpi xmlns:a14="http://schemas.microsoft.com/office/drawing/2010/main" val="0"/>
+              </a:ext>
+            </a:extLst>
+          </a:blip>
+          <a:stretch>
+            <a:fillRect/>
+          </a:stretch>
+        </p:blipFill>
+        <p:spPr>
+          <a:xfrm>
+            <a:off x="685800" y="1828800"/>
+            <a:ext cx="4995729" cy="2808726"/>
+          </a:xfrm>
+        </p:spPr>
+      </p:pic>
+      <p:sp>
+        <p:nvSpPr>
+          <p:cNvPr id="6" name="TextBox 5"/>
+          <p:cNvSpPr txBox="1"/>
+          <p:nvPr/>
+        </p:nvSpPr>
+        <p:spPr>
+          <a:xfrm>
+            <a:off x="6019800" y="1846385"/>
+            <a:ext cx="2743200" cy="4093428"/>
+          </a:xfrm>
+          <a:prstGeom prst="rect">
+            <a:avLst/>
+          </a:prstGeom>
+          <a:noFill/>
+        </p:spPr>
+        <p:txBody>
+          <a:bodyPr wrap="square" rtlCol="0">
+            <a:spAutoFit/>
+          </a:bodyPr>
+          <a:lstStyle/>
+          <a:p>
+            <a:r>
+              <a:rPr lang="en-US" sz="2000" dirty="0"/>
+              <a:t>In this section I have used Four square </a:t>
+            </a:r>
+            <a:r>
+              <a:rPr lang="en-US" sz="2000" dirty="0" err="1"/>
+              <a:t>Api</a:t>
+            </a:r>
+            <a:r>
+              <a:rPr lang="en-US" sz="2000" dirty="0"/>
+              <a:t> to retrieve some of the top useful reviews about a particular food and  made sentiment analysis for that top reviews  and displayed is positive or negative. And also displayed the most  rated places for that particular food</a:t>
+            </a:r>
+          </a:p>
+        </p:txBody>
+      </p:sp>
+      <p:sp>
+        <p:nvSpPr>
+          <p:cNvPr id="7" name="TextBox 6"/>
+          <p:cNvSpPr txBox="1"/>
+          <p:nvPr/>
+        </p:nvSpPr>
+        <p:spPr>
+          <a:xfrm>
+            <a:off x="662354" y="5048688"/>
+            <a:ext cx="4572000" cy="1631216"/>
+          </a:xfrm>
+          <a:prstGeom prst="rect">
+            <a:avLst/>
+          </a:prstGeom>
+          <a:noFill/>
+        </p:spPr>
+        <p:txBody>
+          <a:bodyPr wrap="square" rtlCol="0">
+            <a:spAutoFit/>
+          </a:bodyPr>
+          <a:lstStyle/>
+          <a:p>
+            <a:r>
+              <a:rPr lang="en-US" sz="2000" dirty="0"/>
+              <a:t>Sentiment analysis is done only on few of reviews and not on all the reviews provided by all the users so the sentiment analysis may change if all the reviews are considered.</a:t>
+            </a:r>
           </a:p>
         </p:txBody>
       </p:sp>
@@ -4970,4 +5456,299 @@
   <a:objectDefaults/>
   <a:extraClrSchemeLst/>
 </a:theme>
+</file>
+
+<file path=ppt/theme/theme2.xml><?xml version="1.0" encoding="utf-8"?>
+<a:theme xmlns:a="http://schemas.openxmlformats.org/drawingml/2006/main" name="Office Theme">
+  <a:themeElements>
+    <a:clrScheme name="Office">
+      <a:dk1>
+        <a:sysClr val="windowText" lastClr="000000"/>
+      </a:dk1>
+      <a:lt1>
+        <a:sysClr val="window" lastClr="FFFFFF"/>
+      </a:lt1>
+      <a:dk2>
+        <a:srgbClr val="44546A"/>
+      </a:dk2>
+      <a:lt2>
+        <a:srgbClr val="E7E6E6"/>
+      </a:lt2>
+      <a:accent1>
+        <a:srgbClr val="4472C4"/>
+      </a:accent1>
+      <a:accent2>
+        <a:srgbClr val="ED7D31"/>
+      </a:accent2>
+      <a:accent3>
+        <a:srgbClr val="A5A5A5"/>
+      </a:accent3>
+      <a:accent4>
+        <a:srgbClr val="FFC000"/>
+      </a:accent4>
+      <a:accent5>
+        <a:srgbClr val="5B9BD5"/>
+      </a:accent5>
+      <a:accent6>
+        <a:srgbClr val="70AD47"/>
+      </a:accent6>
+      <a:hlink>
+        <a:srgbClr val="0563C1"/>
+      </a:hlink>
+      <a:folHlink>
+        <a:srgbClr val="954F72"/>
+      </a:folHlink>
+    </a:clrScheme>
+    <a:fontScheme name="Office">
+      <a:majorFont>
+        <a:latin typeface="Calibri Light" panose="020F0302020204030204"/>
+        <a:ea typeface=""/>
+        <a:cs typeface=""/>
+        <a:font script="Jpan" typeface="游ゴシック Light"/>
+        <a:font script="Hang" typeface="맑은 고딕"/>
+        <a:font script="Hans" typeface="等线 Light"/>
+        <a:font script="Hant" typeface="新細明體"/>
+        <a:font script="Arab" typeface="Times New Roman"/>
+        <a:font script="Hebr" typeface="Times New Roman"/>
+        <a:font script="Thai" typeface="Angsana New"/>
+        <a:font script="Ethi" typeface="Nyala"/>
+        <a:font script="Beng" typeface="Vrinda"/>
+        <a:font script="Gujr" typeface="Shruti"/>
+        <a:font script="Khmr" typeface="MoolBoran"/>
+        <a:font script="Knda" typeface="Tunga"/>
+        <a:font script="Guru" typeface="Raavi"/>
+        <a:font script="Cans" typeface="Euphemia"/>
+        <a:font script="Cher" typeface="Plantagenet Cherokee"/>
+        <a:font script="Yiii" typeface="Microsoft Yi Baiti"/>
+        <a:font script="Tibt" typeface="Microsoft Himalaya"/>
+        <a:font script="Thaa" typeface="MV Boli"/>
+        <a:font script="Deva" typeface="Mangal"/>
+        <a:font script="Telu" typeface="Gautami"/>
+        <a:font script="Taml" typeface="Latha"/>
+        <a:font script="Syrc" typeface="Estrangelo Edessa"/>
+        <a:font script="Orya" typeface="Kalinga"/>
+        <a:font script="Mlym" typeface="Kartika"/>
+        <a:font script="Laoo" typeface="DokChampa"/>
+        <a:font script="Sinh" typeface="Iskoola Pota"/>
+        <a:font script="Mong" typeface="Mongolian Baiti"/>
+        <a:font script="Viet" typeface="Times New Roman"/>
+        <a:font script="Uigh" typeface="Microsoft Uighur"/>
+        <a:font script="Geor" typeface="Sylfaen"/>
+        <a:font script="Armn" typeface="Arial"/>
+        <a:font script="Bugi" typeface="Leelawadee UI"/>
+        <a:font script="Bopo" typeface="Microsoft JhengHei"/>
+        <a:font script="Java" typeface="Javanese Text"/>
+        <a:font script="Lisu" typeface="Segoe UI"/>
+        <a:font script="Mymr" typeface="Myanmar Text"/>
+        <a:font script="Nkoo" typeface="Ebrima"/>
+        <a:font script="Olck" typeface="Nirmala UI"/>
+        <a:font script="Osma" typeface="Ebrima"/>
+        <a:font script="Phag" typeface="Phagspa"/>
+        <a:font script="Syrn" typeface="Estrangelo Edessa"/>
+        <a:font script="Syrj" typeface="Estrangelo Edessa"/>
+        <a:font script="Syre" typeface="Estrangelo Edessa"/>
+        <a:font script="Sora" typeface="Nirmala UI"/>
+        <a:font script="Tale" typeface="Microsoft Tai Le"/>
+        <a:font script="Talu" typeface="Microsoft New Tai Lue"/>
+        <a:font script="Tfng" typeface="Ebrima"/>
+      </a:majorFont>
+      <a:minorFont>
+        <a:latin typeface="Calibri" panose="020F0502020204030204"/>
+        <a:ea typeface=""/>
+        <a:cs typeface=""/>
+        <a:font script="Jpan" typeface="游ゴシック"/>
+        <a:font script="Hang" typeface="맑은 고딕"/>
+        <a:font script="Hans" typeface="等线"/>
+        <a:font script="Hant" typeface="新細明體"/>
+        <a:font script="Arab" typeface="Arial"/>
+        <a:font script="Hebr" typeface="Arial"/>
+        <a:font script="Thai" typeface="Cordia New"/>
+        <a:font script="Ethi" typeface="Nyala"/>
+        <a:font script="Beng" typeface="Vrinda"/>
+        <a:font script="Gujr" typeface="Shruti"/>
+        <a:font script="Khmr" typeface="DaunPenh"/>
+        <a:font script="Knda" typeface="Tunga"/>
+        <a:font script="Guru" typeface="Raavi"/>
+        <a:font script="Cans" typeface="Euphemia"/>
+        <a:font script="Cher" typeface="Plantagenet Cherokee"/>
+        <a:font script="Yiii" typeface="Microsoft Yi Baiti"/>
+        <a:font script="Tibt" typeface="Microsoft Himalaya"/>
+        <a:font script="Thaa" typeface="MV Boli"/>
+        <a:font script="Deva" typeface="Mangal"/>
+        <a:font script="Telu" typeface="Gautami"/>
+        <a:font script="Taml" typeface="Latha"/>
+        <a:font script="Syrc" typeface="Estrangelo Edessa"/>
+        <a:font script="Orya" typeface="Kalinga"/>
+        <a:font script="Mlym" typeface="Kartika"/>
+        <a:font script="Laoo" typeface="DokChampa"/>
+        <a:font script="Sinh" typeface="Iskoola Pota"/>
+        <a:font script="Mong" typeface="Mongolian Baiti"/>
+        <a:font script="Viet" typeface="Arial"/>
+        <a:font script="Uigh" typeface="Microsoft Uighur"/>
+        <a:font script="Geor" typeface="Sylfaen"/>
+        <a:font script="Armn" typeface="Arial"/>
+        <a:font script="Bugi" typeface="Leelawadee UI"/>
+        <a:font script="Bopo" typeface="Microsoft JhengHei"/>
+        <a:font script="Java" typeface="Javanese Text"/>
+        <a:font script="Lisu" typeface="Segoe UI"/>
+        <a:font script="Mymr" typeface="Myanmar Text"/>
+        <a:font script="Nkoo" typeface="Ebrima"/>
+        <a:font script="Olck" typeface="Nirmala UI"/>
+        <a:font script="Osma" typeface="Ebrima"/>
+        <a:font script="Phag" typeface="Phagspa"/>
+        <a:font script="Syrn" typeface="Estrangelo Edessa"/>
+        <a:font script="Syrj" typeface="Estrangelo Edessa"/>
+        <a:font script="Syre" typeface="Estrangelo Edessa"/>
+        <a:font script="Sora" typeface="Nirmala UI"/>
+        <a:font script="Tale" typeface="Microsoft Tai Le"/>
+        <a:font script="Talu" typeface="Microsoft New Tai Lue"/>
+        <a:font script="Tfng" typeface="Ebrima"/>
+      </a:minorFont>
+    </a:fontScheme>
+    <a:fmtScheme name="Office">
+      <a:fillStyleLst>
+        <a:solidFill>
+          <a:schemeClr val="phClr"/>
+        </a:solidFill>
+        <a:gradFill rotWithShape="1">
+          <a:gsLst>
+            <a:gs pos="0">
+              <a:schemeClr val="phClr">
+                <a:lumMod val="110000"/>
+                <a:satMod val="105000"/>
+                <a:tint val="67000"/>
+              </a:schemeClr>
+            </a:gs>
+            <a:gs pos="50000">
+              <a:schemeClr val="phClr">
+                <a:lumMod val="105000"/>
+                <a:satMod val="103000"/>
+                <a:tint val="73000"/>
+              </a:schemeClr>
+            </a:gs>
+            <a:gs pos="100000">
+              <a:schemeClr val="phClr">
+                <a:lumMod val="105000"/>
+                <a:satMod val="109000"/>
+                <a:tint val="81000"/>
+              </a:schemeClr>
+            </a:gs>
+          </a:gsLst>
+          <a:lin ang="5400000" scaled="0"/>
+        </a:gradFill>
+        <a:gradFill rotWithShape="1">
+          <a:gsLst>
+            <a:gs pos="0">
+              <a:schemeClr val="phClr">
+                <a:satMod val="103000"/>
+                <a:lumMod val="102000"/>
+                <a:tint val="94000"/>
+              </a:schemeClr>
+            </a:gs>
+            <a:gs pos="50000">
+              <a:schemeClr val="phClr">
+                <a:satMod val="110000"/>
+                <a:lumMod val="100000"/>
+                <a:shade val="100000"/>
+              </a:schemeClr>
+            </a:gs>
+            <a:gs pos="100000">
+              <a:schemeClr val="phClr">
+                <a:lumMod val="99000"/>
+                <a:satMod val="120000"/>
+                <a:shade val="78000"/>
+              </a:schemeClr>
+            </a:gs>
+          </a:gsLst>
+          <a:lin ang="5400000" scaled="0"/>
+        </a:gradFill>
+      </a:fillStyleLst>
+      <a:lnStyleLst>
+        <a:ln w="6350" cap="flat" cmpd="sng" algn="ctr">
+          <a:solidFill>
+            <a:schemeClr val="phClr"/>
+          </a:solidFill>
+          <a:prstDash val="solid"/>
+          <a:miter lim="800000"/>
+        </a:ln>
+        <a:ln w="12700" cap="flat" cmpd="sng" algn="ctr">
+          <a:solidFill>
+            <a:schemeClr val="phClr"/>
+          </a:solidFill>
+          <a:prstDash val="solid"/>
+          <a:miter lim="800000"/>
+        </a:ln>
+        <a:ln w="19050" cap="flat" cmpd="sng" algn="ctr">
+          <a:solidFill>
+            <a:schemeClr val="phClr"/>
+          </a:solidFill>
+          <a:prstDash val="solid"/>
+          <a:miter lim="800000"/>
+        </a:ln>
+      </a:lnStyleLst>
+      <a:effectStyleLst>
+        <a:effectStyle>
+          <a:effectLst/>
+        </a:effectStyle>
+        <a:effectStyle>
+          <a:effectLst/>
+        </a:effectStyle>
+        <a:effectStyle>
+          <a:effectLst>
+            <a:outerShdw blurRad="57150" dist="19050" dir="5400000" algn="ctr" rotWithShape="0">
+              <a:srgbClr val="000000">
+                <a:alpha val="63000"/>
+              </a:srgbClr>
+            </a:outerShdw>
+          </a:effectLst>
+        </a:effectStyle>
+      </a:effectStyleLst>
+      <a:bgFillStyleLst>
+        <a:solidFill>
+          <a:schemeClr val="phClr"/>
+        </a:solidFill>
+        <a:solidFill>
+          <a:schemeClr val="phClr">
+            <a:tint val="95000"/>
+            <a:satMod val="170000"/>
+          </a:schemeClr>
+        </a:solidFill>
+        <a:gradFill rotWithShape="1">
+          <a:gsLst>
+            <a:gs pos="0">
+              <a:schemeClr val="phClr">
+                <a:tint val="93000"/>
+                <a:satMod val="150000"/>
+                <a:shade val="98000"/>
+                <a:lumMod val="102000"/>
+              </a:schemeClr>
+            </a:gs>
+            <a:gs pos="50000">
+              <a:schemeClr val="phClr">
+                <a:tint val="98000"/>
+                <a:satMod val="130000"/>
+                <a:shade val="90000"/>
+                <a:lumMod val="103000"/>
+              </a:schemeClr>
+            </a:gs>
+            <a:gs pos="100000">
+              <a:schemeClr val="phClr">
+                <a:shade val="63000"/>
+                <a:satMod val="120000"/>
+              </a:schemeClr>
+            </a:gs>
+          </a:gsLst>
+          <a:lin ang="5400000" scaled="0"/>
+        </a:gradFill>
+      </a:bgFillStyleLst>
+    </a:fmtScheme>
+  </a:themeElements>
+  <a:objectDefaults/>
+  <a:extraClrSchemeLst/>
+  <a:extLst>
+    <a:ext uri="{05A4C25C-085E-4340-85A3-A5531E510DB2}">
+      <thm15:themeFamily xmlns:thm15="http://schemas.microsoft.com/office/thememl/2012/main" name="Office Theme" id="{62F939B6-93AF-4DB8-9C6B-D6C7DFDC589F}" vid="{4A3C46E8-61CC-4603-A589-7422A47A8E4A}"/>
+    </a:ext>
+  </a:extLst>
+</a:theme>
 </file>
--- a/Documentation/CodeCrunchers.pptx
+++ b/Documentation/CodeCrunchers.pptx
@@ -5101,7 +5101,7 @@
         </p:nvSpPr>
         <p:spPr>
           <a:xfrm>
-            <a:off x="662354" y="5048688"/>
+            <a:off x="644769" y="4800600"/>
             <a:ext cx="4572000" cy="1631216"/>
           </a:xfrm>
           <a:prstGeom prst="rect">
